--- a/docs/Poster.pptx
+++ b/docs/Poster.pptx
@@ -768,7 +768,7 @@
             <a:pPr marL="0" indent="0">
               <a:buNone/>
             </a:pPr>
-            <a:endParaRPr/>
+            <a:endParaRPr dirty="0"/>
           </a:p>
         </p:txBody>
       </p:sp>
@@ -2375,725 +2375,6 @@
 </file>
 
 <file path=ppt/slideLayouts/slideLayout13.xml><?xml version="1.0" encoding="utf-8"?>
-<p:sldLayout xmlns:a="http://schemas.openxmlformats.org/drawingml/2006/main" xmlns:r="http://schemas.openxmlformats.org/officeDocument/2006/relationships" xmlns:p="http://schemas.openxmlformats.org/presentationml/2006/main" matchingName="Title and Content" type="obj">
-  <p:cSld name="OBJECT">
-    <p:spTree>
-      <p:nvGrpSpPr>
-        <p:cNvPr id="1" name="Shape 62"/>
-        <p:cNvGrpSpPr/>
-        <p:nvPr/>
-      </p:nvGrpSpPr>
-      <p:grpSpPr>
-        <a:xfrm>
-          <a:off x="0" y="0"/>
-          <a:ext cx="0" cy="0"/>
-          <a:chOff x="0" y="0"/>
-          <a:chExt cx="0" cy="0"/>
-        </a:xfrm>
-      </p:grpSpPr>
-      <p:sp>
-        <p:nvSpPr>
-          <p:cNvPr id="63" name="Google Shape;63;p15"/>
-          <p:cNvSpPr txBox="1">
-            <a:spLocks noGrp="1"/>
-          </p:cNvSpPr>
-          <p:nvPr>
-            <p:ph type="title"/>
-          </p:nvPr>
-        </p:nvSpPr>
-        <p:spPr>
-          <a:xfrm>
-            <a:off x="628650" y="365127"/>
-            <a:ext cx="7886700" cy="1325600"/>
-          </a:xfrm>
-          <a:prstGeom prst="rect">
-            <a:avLst/>
-          </a:prstGeom>
-          <a:noFill/>
-          <a:ln>
-            <a:noFill/>
-          </a:ln>
-        </p:spPr>
-        <p:txBody>
-          <a:bodyPr spcFirstLastPara="1" wrap="square" lIns="24250" tIns="12125" rIns="24250" bIns="12125" anchor="ctr" anchorCtr="0">
-            <a:noAutofit/>
-          </a:bodyPr>
-          <a:lstStyle>
-            <a:lvl1pPr lvl="0" algn="l" rtl="0">
-              <a:lnSpc>
-                <a:spcPct val="90000"/>
-              </a:lnSpc>
-              <a:spcBef>
-                <a:spcPts val="0"/>
-              </a:spcBef>
-              <a:spcAft>
-                <a:spcPts val="0"/>
-              </a:spcAft>
-              <a:buClr>
-                <a:schemeClr val="dk1"/>
-              </a:buClr>
-              <a:buSzPts val="500"/>
-              <a:buNone/>
-              <a:defRPr/>
-            </a:lvl1pPr>
-            <a:lvl2pPr lvl="1" rtl="0">
-              <a:spcBef>
-                <a:spcPts val="0"/>
-              </a:spcBef>
-              <a:spcAft>
-                <a:spcPts val="0"/>
-              </a:spcAft>
-              <a:buSzPts val="400"/>
-              <a:buNone/>
-              <a:defRPr/>
-            </a:lvl2pPr>
-            <a:lvl3pPr lvl="2" rtl="0">
-              <a:spcBef>
-                <a:spcPts val="0"/>
-              </a:spcBef>
-              <a:spcAft>
-                <a:spcPts val="0"/>
-              </a:spcAft>
-              <a:buSzPts val="400"/>
-              <a:buNone/>
-              <a:defRPr/>
-            </a:lvl3pPr>
-            <a:lvl4pPr lvl="3" rtl="0">
-              <a:spcBef>
-                <a:spcPts val="0"/>
-              </a:spcBef>
-              <a:spcAft>
-                <a:spcPts val="0"/>
-              </a:spcAft>
-              <a:buSzPts val="400"/>
-              <a:buNone/>
-              <a:defRPr/>
-            </a:lvl4pPr>
-            <a:lvl5pPr lvl="4" rtl="0">
-              <a:spcBef>
-                <a:spcPts val="0"/>
-              </a:spcBef>
-              <a:spcAft>
-                <a:spcPts val="0"/>
-              </a:spcAft>
-              <a:buSzPts val="400"/>
-              <a:buNone/>
-              <a:defRPr/>
-            </a:lvl5pPr>
-            <a:lvl6pPr lvl="5" rtl="0">
-              <a:spcBef>
-                <a:spcPts val="0"/>
-              </a:spcBef>
-              <a:spcAft>
-                <a:spcPts val="0"/>
-              </a:spcAft>
-              <a:buSzPts val="400"/>
-              <a:buNone/>
-              <a:defRPr/>
-            </a:lvl6pPr>
-            <a:lvl7pPr lvl="6" rtl="0">
-              <a:spcBef>
-                <a:spcPts val="0"/>
-              </a:spcBef>
-              <a:spcAft>
-                <a:spcPts val="0"/>
-              </a:spcAft>
-              <a:buSzPts val="400"/>
-              <a:buNone/>
-              <a:defRPr/>
-            </a:lvl7pPr>
-            <a:lvl8pPr lvl="7" rtl="0">
-              <a:spcBef>
-                <a:spcPts val="0"/>
-              </a:spcBef>
-              <a:spcAft>
-                <a:spcPts val="0"/>
-              </a:spcAft>
-              <a:buSzPts val="400"/>
-              <a:buNone/>
-              <a:defRPr/>
-            </a:lvl8pPr>
-            <a:lvl9pPr lvl="8" rtl="0">
-              <a:spcBef>
-                <a:spcPts val="0"/>
-              </a:spcBef>
-              <a:spcAft>
-                <a:spcPts val="0"/>
-              </a:spcAft>
-              <a:buSzPts val="400"/>
-              <a:buNone/>
-              <a:defRPr/>
-            </a:lvl9pPr>
-          </a:lstStyle>
-          <a:p>
-            <a:endParaRPr/>
-          </a:p>
-        </p:txBody>
-      </p:sp>
-      <p:sp>
-        <p:nvSpPr>
-          <p:cNvPr id="64" name="Google Shape;64;p15"/>
-          <p:cNvSpPr txBox="1">
-            <a:spLocks noGrp="1"/>
-          </p:cNvSpPr>
-          <p:nvPr>
-            <p:ph type="body" idx="1"/>
-          </p:nvPr>
-        </p:nvSpPr>
-        <p:spPr>
-          <a:xfrm>
-            <a:off x="628650" y="1825625"/>
-            <a:ext cx="7886700" cy="4351600"/>
-          </a:xfrm>
-          <a:prstGeom prst="rect">
-            <a:avLst/>
-          </a:prstGeom>
-          <a:noFill/>
-          <a:ln>
-            <a:noFill/>
-          </a:ln>
-        </p:spPr>
-        <p:txBody>
-          <a:bodyPr spcFirstLastPara="1" wrap="square" lIns="24250" tIns="12125" rIns="24250" bIns="12125" anchor="t" anchorCtr="0">
-            <a:noAutofit/>
-          </a:bodyPr>
-          <a:lstStyle>
-            <a:lvl1pPr marL="457189" lvl="0" indent="-260344" algn="l" rtl="0">
-              <a:lnSpc>
-                <a:spcPct val="90000"/>
-              </a:lnSpc>
-              <a:spcBef>
-                <a:spcPts val="800"/>
-              </a:spcBef>
-              <a:spcAft>
-                <a:spcPts val="0"/>
-              </a:spcAft>
-              <a:buClr>
-                <a:schemeClr val="dk1"/>
-              </a:buClr>
-              <a:buSzPts val="500"/>
-              <a:buChar char="•"/>
-              <a:defRPr/>
-            </a:lvl1pPr>
-            <a:lvl2pPr marL="914378" lvl="1" indent="-260344" algn="l" rtl="0">
-              <a:lnSpc>
-                <a:spcPct val="90000"/>
-              </a:lnSpc>
-              <a:spcBef>
-                <a:spcPts val="500"/>
-              </a:spcBef>
-              <a:spcAft>
-                <a:spcPts val="0"/>
-              </a:spcAft>
-              <a:buClr>
-                <a:schemeClr val="dk1"/>
-              </a:buClr>
-              <a:buSzPts val="500"/>
-              <a:buChar char="•"/>
-              <a:defRPr/>
-            </a:lvl2pPr>
-            <a:lvl3pPr marL="1371566" lvl="2" indent="-260344" algn="l" rtl="0">
-              <a:lnSpc>
-                <a:spcPct val="90000"/>
-              </a:lnSpc>
-              <a:spcBef>
-                <a:spcPts val="500"/>
-              </a:spcBef>
-              <a:spcAft>
-                <a:spcPts val="0"/>
-              </a:spcAft>
-              <a:buClr>
-                <a:schemeClr val="dk1"/>
-              </a:buClr>
-              <a:buSzPts val="500"/>
-              <a:buChar char="•"/>
-              <a:defRPr/>
-            </a:lvl3pPr>
-            <a:lvl4pPr marL="1828754" lvl="3" indent="-260344" algn="l" rtl="0">
-              <a:lnSpc>
-                <a:spcPct val="90000"/>
-              </a:lnSpc>
-              <a:spcBef>
-                <a:spcPts val="500"/>
-              </a:spcBef>
-              <a:spcAft>
-                <a:spcPts val="0"/>
-              </a:spcAft>
-              <a:buClr>
-                <a:schemeClr val="dk1"/>
-              </a:buClr>
-              <a:buSzPts val="500"/>
-              <a:buChar char="•"/>
-              <a:defRPr/>
-            </a:lvl4pPr>
-            <a:lvl5pPr marL="2285943" lvl="4" indent="-260344" algn="l" rtl="0">
-              <a:lnSpc>
-                <a:spcPct val="90000"/>
-              </a:lnSpc>
-              <a:spcBef>
-                <a:spcPts val="500"/>
-              </a:spcBef>
-              <a:spcAft>
-                <a:spcPts val="0"/>
-              </a:spcAft>
-              <a:buClr>
-                <a:schemeClr val="dk1"/>
-              </a:buClr>
-              <a:buSzPts val="500"/>
-              <a:buChar char="•"/>
-              <a:defRPr/>
-            </a:lvl5pPr>
-            <a:lvl6pPr marL="2743132" lvl="5" indent="-260344" algn="l" rtl="0">
-              <a:lnSpc>
-                <a:spcPct val="90000"/>
-              </a:lnSpc>
-              <a:spcBef>
-                <a:spcPts val="500"/>
-              </a:spcBef>
-              <a:spcAft>
-                <a:spcPts val="0"/>
-              </a:spcAft>
-              <a:buClr>
-                <a:schemeClr val="dk1"/>
-              </a:buClr>
-              <a:buSzPts val="500"/>
-              <a:buChar char="•"/>
-              <a:defRPr/>
-            </a:lvl6pPr>
-            <a:lvl7pPr marL="3200320" lvl="6" indent="-260344" algn="l" rtl="0">
-              <a:lnSpc>
-                <a:spcPct val="90000"/>
-              </a:lnSpc>
-              <a:spcBef>
-                <a:spcPts val="500"/>
-              </a:spcBef>
-              <a:spcAft>
-                <a:spcPts val="0"/>
-              </a:spcAft>
-              <a:buClr>
-                <a:schemeClr val="dk1"/>
-              </a:buClr>
-              <a:buSzPts val="500"/>
-              <a:buChar char="•"/>
-              <a:defRPr/>
-            </a:lvl7pPr>
-            <a:lvl8pPr marL="3657509" lvl="7" indent="-260344" algn="l" rtl="0">
-              <a:lnSpc>
-                <a:spcPct val="90000"/>
-              </a:lnSpc>
-              <a:spcBef>
-                <a:spcPts val="500"/>
-              </a:spcBef>
-              <a:spcAft>
-                <a:spcPts val="0"/>
-              </a:spcAft>
-              <a:buClr>
-                <a:schemeClr val="dk1"/>
-              </a:buClr>
-              <a:buSzPts val="500"/>
-              <a:buChar char="•"/>
-              <a:defRPr/>
-            </a:lvl8pPr>
-            <a:lvl9pPr marL="4114697" lvl="8" indent="-260344" algn="l" rtl="0">
-              <a:lnSpc>
-                <a:spcPct val="90000"/>
-              </a:lnSpc>
-              <a:spcBef>
-                <a:spcPts val="500"/>
-              </a:spcBef>
-              <a:spcAft>
-                <a:spcPts val="0"/>
-              </a:spcAft>
-              <a:buClr>
-                <a:schemeClr val="dk1"/>
-              </a:buClr>
-              <a:buSzPts val="500"/>
-              <a:buChar char="•"/>
-              <a:defRPr/>
-            </a:lvl9pPr>
-          </a:lstStyle>
-          <a:p>
-            <a:endParaRPr/>
-          </a:p>
-        </p:txBody>
-      </p:sp>
-      <p:sp>
-        <p:nvSpPr>
-          <p:cNvPr id="65" name="Google Shape;65;p15"/>
-          <p:cNvSpPr txBox="1">
-            <a:spLocks noGrp="1"/>
-          </p:cNvSpPr>
-          <p:nvPr>
-            <p:ph type="dt" idx="10"/>
-          </p:nvPr>
-        </p:nvSpPr>
-        <p:spPr>
-          <a:xfrm>
-            <a:off x="628650" y="6356352"/>
-            <a:ext cx="2057400" cy="365200"/>
-          </a:xfrm>
-          <a:prstGeom prst="rect">
-            <a:avLst/>
-          </a:prstGeom>
-          <a:noFill/>
-          <a:ln>
-            <a:noFill/>
-          </a:ln>
-        </p:spPr>
-        <p:txBody>
-          <a:bodyPr spcFirstLastPara="1" wrap="square" lIns="24250" tIns="12125" rIns="24250" bIns="12125" anchor="ctr" anchorCtr="0">
-            <a:noAutofit/>
-          </a:bodyPr>
-          <a:lstStyle>
-            <a:lvl1pPr lvl="0" algn="l" rtl="0">
-              <a:spcBef>
-                <a:spcPts val="0"/>
-              </a:spcBef>
-              <a:spcAft>
-                <a:spcPts val="0"/>
-              </a:spcAft>
-              <a:buSzPts val="400"/>
-              <a:buNone/>
-              <a:defRPr/>
-            </a:lvl1pPr>
-            <a:lvl2pPr lvl="1" algn="l" rtl="0">
-              <a:spcBef>
-                <a:spcPts val="0"/>
-              </a:spcBef>
-              <a:spcAft>
-                <a:spcPts val="0"/>
-              </a:spcAft>
-              <a:buSzPts val="400"/>
-              <a:buNone/>
-              <a:defRPr/>
-            </a:lvl2pPr>
-            <a:lvl3pPr lvl="2" algn="l" rtl="0">
-              <a:spcBef>
-                <a:spcPts val="0"/>
-              </a:spcBef>
-              <a:spcAft>
-                <a:spcPts val="0"/>
-              </a:spcAft>
-              <a:buSzPts val="400"/>
-              <a:buNone/>
-              <a:defRPr/>
-            </a:lvl3pPr>
-            <a:lvl4pPr lvl="3" algn="l" rtl="0">
-              <a:spcBef>
-                <a:spcPts val="0"/>
-              </a:spcBef>
-              <a:spcAft>
-                <a:spcPts val="0"/>
-              </a:spcAft>
-              <a:buSzPts val="400"/>
-              <a:buNone/>
-              <a:defRPr/>
-            </a:lvl4pPr>
-            <a:lvl5pPr lvl="4" algn="l" rtl="0">
-              <a:spcBef>
-                <a:spcPts val="0"/>
-              </a:spcBef>
-              <a:spcAft>
-                <a:spcPts val="0"/>
-              </a:spcAft>
-              <a:buSzPts val="400"/>
-              <a:buNone/>
-              <a:defRPr/>
-            </a:lvl5pPr>
-            <a:lvl6pPr lvl="5" algn="l" rtl="0">
-              <a:spcBef>
-                <a:spcPts val="0"/>
-              </a:spcBef>
-              <a:spcAft>
-                <a:spcPts val="0"/>
-              </a:spcAft>
-              <a:buSzPts val="400"/>
-              <a:buNone/>
-              <a:defRPr/>
-            </a:lvl6pPr>
-            <a:lvl7pPr lvl="6" algn="l" rtl="0">
-              <a:spcBef>
-                <a:spcPts val="0"/>
-              </a:spcBef>
-              <a:spcAft>
-                <a:spcPts val="0"/>
-              </a:spcAft>
-              <a:buSzPts val="400"/>
-              <a:buNone/>
-              <a:defRPr/>
-            </a:lvl7pPr>
-            <a:lvl8pPr lvl="7" algn="l" rtl="0">
-              <a:spcBef>
-                <a:spcPts val="0"/>
-              </a:spcBef>
-              <a:spcAft>
-                <a:spcPts val="0"/>
-              </a:spcAft>
-              <a:buSzPts val="400"/>
-              <a:buNone/>
-              <a:defRPr/>
-            </a:lvl8pPr>
-            <a:lvl9pPr lvl="8" algn="l" rtl="0">
-              <a:spcBef>
-                <a:spcPts val="0"/>
-              </a:spcBef>
-              <a:spcAft>
-                <a:spcPts val="0"/>
-              </a:spcAft>
-              <a:buSzPts val="400"/>
-              <a:buNone/>
-              <a:defRPr/>
-            </a:lvl9pPr>
-          </a:lstStyle>
-          <a:p>
-            <a:endParaRPr/>
-          </a:p>
-        </p:txBody>
-      </p:sp>
-      <p:sp>
-        <p:nvSpPr>
-          <p:cNvPr id="66" name="Google Shape;66;p15"/>
-          <p:cNvSpPr txBox="1">
-            <a:spLocks noGrp="1"/>
-          </p:cNvSpPr>
-          <p:nvPr>
-            <p:ph type="ftr" idx="11"/>
-          </p:nvPr>
-        </p:nvSpPr>
-        <p:spPr>
-          <a:xfrm>
-            <a:off x="3028950" y="6356352"/>
-            <a:ext cx="3086100" cy="365200"/>
-          </a:xfrm>
-          <a:prstGeom prst="rect">
-            <a:avLst/>
-          </a:prstGeom>
-          <a:noFill/>
-          <a:ln>
-            <a:noFill/>
-          </a:ln>
-        </p:spPr>
-        <p:txBody>
-          <a:bodyPr spcFirstLastPara="1" wrap="square" lIns="24250" tIns="12125" rIns="24250" bIns="12125" anchor="ctr" anchorCtr="0">
-            <a:noAutofit/>
-          </a:bodyPr>
-          <a:lstStyle>
-            <a:lvl1pPr lvl="0" algn="ctr" rtl="0">
-              <a:spcBef>
-                <a:spcPts val="0"/>
-              </a:spcBef>
-              <a:spcAft>
-                <a:spcPts val="0"/>
-              </a:spcAft>
-              <a:buSzPts val="400"/>
-              <a:buNone/>
-              <a:defRPr/>
-            </a:lvl1pPr>
-            <a:lvl2pPr lvl="1" algn="l" rtl="0">
-              <a:spcBef>
-                <a:spcPts val="0"/>
-              </a:spcBef>
-              <a:spcAft>
-                <a:spcPts val="0"/>
-              </a:spcAft>
-              <a:buSzPts val="400"/>
-              <a:buNone/>
-              <a:defRPr/>
-            </a:lvl2pPr>
-            <a:lvl3pPr lvl="2" algn="l" rtl="0">
-              <a:spcBef>
-                <a:spcPts val="0"/>
-              </a:spcBef>
-              <a:spcAft>
-                <a:spcPts val="0"/>
-              </a:spcAft>
-              <a:buSzPts val="400"/>
-              <a:buNone/>
-              <a:defRPr/>
-            </a:lvl3pPr>
-            <a:lvl4pPr lvl="3" algn="l" rtl="0">
-              <a:spcBef>
-                <a:spcPts val="0"/>
-              </a:spcBef>
-              <a:spcAft>
-                <a:spcPts val="0"/>
-              </a:spcAft>
-              <a:buSzPts val="400"/>
-              <a:buNone/>
-              <a:defRPr/>
-            </a:lvl4pPr>
-            <a:lvl5pPr lvl="4" algn="l" rtl="0">
-              <a:spcBef>
-                <a:spcPts val="0"/>
-              </a:spcBef>
-              <a:spcAft>
-                <a:spcPts val="0"/>
-              </a:spcAft>
-              <a:buSzPts val="400"/>
-              <a:buNone/>
-              <a:defRPr/>
-            </a:lvl5pPr>
-            <a:lvl6pPr lvl="5" algn="l" rtl="0">
-              <a:spcBef>
-                <a:spcPts val="0"/>
-              </a:spcBef>
-              <a:spcAft>
-                <a:spcPts val="0"/>
-              </a:spcAft>
-              <a:buSzPts val="400"/>
-              <a:buNone/>
-              <a:defRPr/>
-            </a:lvl6pPr>
-            <a:lvl7pPr lvl="6" algn="l" rtl="0">
-              <a:spcBef>
-                <a:spcPts val="0"/>
-              </a:spcBef>
-              <a:spcAft>
-                <a:spcPts val="0"/>
-              </a:spcAft>
-              <a:buSzPts val="400"/>
-              <a:buNone/>
-              <a:defRPr/>
-            </a:lvl7pPr>
-            <a:lvl8pPr lvl="7" algn="l" rtl="0">
-              <a:spcBef>
-                <a:spcPts val="0"/>
-              </a:spcBef>
-              <a:spcAft>
-                <a:spcPts val="0"/>
-              </a:spcAft>
-              <a:buSzPts val="400"/>
-              <a:buNone/>
-              <a:defRPr/>
-            </a:lvl8pPr>
-            <a:lvl9pPr lvl="8" algn="l" rtl="0">
-              <a:spcBef>
-                <a:spcPts val="0"/>
-              </a:spcBef>
-              <a:spcAft>
-                <a:spcPts val="0"/>
-              </a:spcAft>
-              <a:buSzPts val="400"/>
-              <a:buNone/>
-              <a:defRPr/>
-            </a:lvl9pPr>
-          </a:lstStyle>
-          <a:p>
-            <a:endParaRPr/>
-          </a:p>
-        </p:txBody>
-      </p:sp>
-      <p:sp>
-        <p:nvSpPr>
-          <p:cNvPr id="67" name="Google Shape;67;p15"/>
-          <p:cNvSpPr txBox="1">
-            <a:spLocks noGrp="1"/>
-          </p:cNvSpPr>
-          <p:nvPr>
-            <p:ph type="sldNum" idx="12"/>
-          </p:nvPr>
-        </p:nvSpPr>
-        <p:spPr>
-          <a:xfrm>
-            <a:off x="6457950" y="6356352"/>
-            <a:ext cx="2057400" cy="365200"/>
-          </a:xfrm>
-          <a:prstGeom prst="rect">
-            <a:avLst/>
-          </a:prstGeom>
-          <a:noFill/>
-          <a:ln>
-            <a:noFill/>
-          </a:ln>
-        </p:spPr>
-        <p:txBody>
-          <a:bodyPr spcFirstLastPara="1" wrap="square" lIns="24250" tIns="12125" rIns="24250" bIns="12125" anchor="ctr" anchorCtr="0">
-            <a:noAutofit/>
-          </a:bodyPr>
-          <a:lstStyle>
-            <a:lvl1pPr marL="0" lvl="0" indent="0" algn="r" rtl="0">
-              <a:spcBef>
-                <a:spcPts val="0"/>
-              </a:spcBef>
-              <a:buNone/>
-              <a:defRPr/>
-            </a:lvl1pPr>
-            <a:lvl2pPr marL="0" lvl="1" indent="0" algn="r" rtl="0">
-              <a:spcBef>
-                <a:spcPts val="0"/>
-              </a:spcBef>
-              <a:buNone/>
-              <a:defRPr/>
-            </a:lvl2pPr>
-            <a:lvl3pPr marL="0" lvl="2" indent="0" algn="r" rtl="0">
-              <a:spcBef>
-                <a:spcPts val="0"/>
-              </a:spcBef>
-              <a:buNone/>
-              <a:defRPr/>
-            </a:lvl3pPr>
-            <a:lvl4pPr marL="0" lvl="3" indent="0" algn="r" rtl="0">
-              <a:spcBef>
-                <a:spcPts val="0"/>
-              </a:spcBef>
-              <a:buNone/>
-              <a:defRPr/>
-            </a:lvl4pPr>
-            <a:lvl5pPr marL="0" lvl="4" indent="0" algn="r" rtl="0">
-              <a:spcBef>
-                <a:spcPts val="0"/>
-              </a:spcBef>
-              <a:buNone/>
-              <a:defRPr/>
-            </a:lvl5pPr>
-            <a:lvl6pPr marL="0" lvl="5" indent="0" algn="r" rtl="0">
-              <a:spcBef>
-                <a:spcPts val="0"/>
-              </a:spcBef>
-              <a:buNone/>
-              <a:defRPr/>
-            </a:lvl6pPr>
-            <a:lvl7pPr marL="0" lvl="6" indent="0" algn="r" rtl="0">
-              <a:spcBef>
-                <a:spcPts val="0"/>
-              </a:spcBef>
-              <a:buNone/>
-              <a:defRPr/>
-            </a:lvl7pPr>
-            <a:lvl8pPr marL="0" lvl="7" indent="0" algn="r" rtl="0">
-              <a:spcBef>
-                <a:spcPts val="0"/>
-              </a:spcBef>
-              <a:buNone/>
-              <a:defRPr/>
-            </a:lvl8pPr>
-            <a:lvl9pPr marL="0" lvl="8" indent="0" algn="r" rtl="0">
-              <a:spcBef>
-                <a:spcPts val="0"/>
-              </a:spcBef>
-              <a:buNone/>
-              <a:defRPr/>
-            </a:lvl9pPr>
-          </a:lstStyle>
-          <a:p>
-            <a:fld id="{00000000-1234-1234-1234-123412341234}" type="slidenum">
-              <a:rPr lang="en" smtClean="0"/>
-              <a:pPr/>
-              <a:t>‹#›</a:t>
-            </a:fld>
-            <a:endParaRPr lang="en"/>
-          </a:p>
-        </p:txBody>
-      </p:sp>
-    </p:spTree>
-  </p:cSld>
-  <p:clrMapOvr>
-    <a:masterClrMapping/>
-  </p:clrMapOvr>
-</p:sldLayout>
-</file>
-
-<file path=ppt/slideLayouts/slideLayout14.xml><?xml version="1.0" encoding="utf-8"?>
 <p:sldLayout xmlns:a="http://schemas.openxmlformats.org/drawingml/2006/main" xmlns:r="http://schemas.openxmlformats.org/officeDocument/2006/relationships" xmlns:p="http://schemas.openxmlformats.org/presentationml/2006/main" matchingName="Section Header" type="secHead">
   <p:cSld name="SECTION_HEADER">
     <p:spTree>
@@ -3849,7 +3130,7 @@
 </p:sldLayout>
 </file>
 
-<file path=ppt/slideLayouts/slideLayout15.xml><?xml version="1.0" encoding="utf-8"?>
+<file path=ppt/slideLayouts/slideLayout14.xml><?xml version="1.0" encoding="utf-8"?>
 <p:sldLayout xmlns:a="http://schemas.openxmlformats.org/drawingml/2006/main" xmlns:r="http://schemas.openxmlformats.org/officeDocument/2006/relationships" xmlns:p="http://schemas.openxmlformats.org/presentationml/2006/main" matchingName="Two Content" type="twoObj">
   <p:cSld name="TWO_OBJECTS">
     <p:spTree>
@@ -4755,7 +4036,7 @@
 </p:sldLayout>
 </file>
 
-<file path=ppt/slideLayouts/slideLayout16.xml><?xml version="1.0" encoding="utf-8"?>
+<file path=ppt/slideLayouts/slideLayout15.xml><?xml version="1.0" encoding="utf-8"?>
 <p:sldLayout xmlns:a="http://schemas.openxmlformats.org/drawingml/2006/main" xmlns:r="http://schemas.openxmlformats.org/officeDocument/2006/relationships" xmlns:p="http://schemas.openxmlformats.org/presentationml/2006/main" matchingName="Comparison" type="twoTxTwoObj">
   <p:cSld name="TWO_OBJECTS_WITH_TEXT">
     <p:spTree>
@@ -6035,7 +5316,7 @@
 </p:sldLayout>
 </file>
 
-<file path=ppt/slideLayouts/slideLayout17.xml><?xml version="1.0" encoding="utf-8"?>
+<file path=ppt/slideLayouts/slideLayout16.xml><?xml version="1.0" encoding="utf-8"?>
 <p:sldLayout xmlns:a="http://schemas.openxmlformats.org/drawingml/2006/main" xmlns:r="http://schemas.openxmlformats.org/officeDocument/2006/relationships" xmlns:p="http://schemas.openxmlformats.org/presentationml/2006/main" matchingName="Title Only" type="titleOnly">
   <p:cSld name="TITLE_ONLY">
     <p:spTree>
@@ -6567,7 +5848,7 @@
 </p:sldLayout>
 </file>
 
-<file path=ppt/slideLayouts/slideLayout18.xml><?xml version="1.0" encoding="utf-8"?>
+<file path=ppt/slideLayouts/slideLayout17.xml><?xml version="1.0" encoding="utf-8"?>
 <p:sldLayout xmlns:a="http://schemas.openxmlformats.org/drawingml/2006/main" xmlns:r="http://schemas.openxmlformats.org/officeDocument/2006/relationships" xmlns:p="http://schemas.openxmlformats.org/presentationml/2006/main" matchingName="Blank" type="blank">
   <p:cSld name="BLANK">
     <p:spTree>
@@ -6960,7 +6241,7 @@
 </p:sldLayout>
 </file>
 
-<file path=ppt/slideLayouts/slideLayout19.xml><?xml version="1.0" encoding="utf-8"?>
+<file path=ppt/slideLayouts/slideLayout18.xml><?xml version="1.0" encoding="utf-8"?>
 <p:sldLayout xmlns:a="http://schemas.openxmlformats.org/drawingml/2006/main" xmlns:r="http://schemas.openxmlformats.org/officeDocument/2006/relationships" xmlns:p="http://schemas.openxmlformats.org/presentationml/2006/main" matchingName="Content with Caption" type="objTx">
   <p:cSld name="OBJECT_WITH_CAPTION_TEXT">
     <p:spTree>
@@ -7760,6 +7041,994 @@
       <p:sp>
         <p:nvSpPr>
           <p:cNvPr id="105" name="Google Shape;105;p21"/>
+          <p:cNvSpPr txBox="1">
+            <a:spLocks noGrp="1"/>
+          </p:cNvSpPr>
+          <p:nvPr>
+            <p:ph type="sldNum" idx="12"/>
+          </p:nvPr>
+        </p:nvSpPr>
+        <p:spPr>
+          <a:xfrm>
+            <a:off x="6457950" y="6356352"/>
+            <a:ext cx="2057400" cy="365200"/>
+          </a:xfrm>
+          <a:prstGeom prst="rect">
+            <a:avLst/>
+          </a:prstGeom>
+          <a:noFill/>
+          <a:ln>
+            <a:noFill/>
+          </a:ln>
+        </p:spPr>
+        <p:txBody>
+          <a:bodyPr spcFirstLastPara="1" wrap="square" lIns="24250" tIns="12125" rIns="24250" bIns="12125" anchor="ctr" anchorCtr="0">
+            <a:noAutofit/>
+          </a:bodyPr>
+          <a:lstStyle>
+            <a:lvl1pPr marL="0" lvl="0" indent="0" algn="r" rtl="0">
+              <a:spcBef>
+                <a:spcPts val="0"/>
+              </a:spcBef>
+              <a:buNone/>
+              <a:defRPr/>
+            </a:lvl1pPr>
+            <a:lvl2pPr marL="0" lvl="1" indent="0" algn="r" rtl="0">
+              <a:spcBef>
+                <a:spcPts val="0"/>
+              </a:spcBef>
+              <a:buNone/>
+              <a:defRPr/>
+            </a:lvl2pPr>
+            <a:lvl3pPr marL="0" lvl="2" indent="0" algn="r" rtl="0">
+              <a:spcBef>
+                <a:spcPts val="0"/>
+              </a:spcBef>
+              <a:buNone/>
+              <a:defRPr/>
+            </a:lvl3pPr>
+            <a:lvl4pPr marL="0" lvl="3" indent="0" algn="r" rtl="0">
+              <a:spcBef>
+                <a:spcPts val="0"/>
+              </a:spcBef>
+              <a:buNone/>
+              <a:defRPr/>
+            </a:lvl4pPr>
+            <a:lvl5pPr marL="0" lvl="4" indent="0" algn="r" rtl="0">
+              <a:spcBef>
+                <a:spcPts val="0"/>
+              </a:spcBef>
+              <a:buNone/>
+              <a:defRPr/>
+            </a:lvl5pPr>
+            <a:lvl6pPr marL="0" lvl="5" indent="0" algn="r" rtl="0">
+              <a:spcBef>
+                <a:spcPts val="0"/>
+              </a:spcBef>
+              <a:buNone/>
+              <a:defRPr/>
+            </a:lvl6pPr>
+            <a:lvl7pPr marL="0" lvl="6" indent="0" algn="r" rtl="0">
+              <a:spcBef>
+                <a:spcPts val="0"/>
+              </a:spcBef>
+              <a:buNone/>
+              <a:defRPr/>
+            </a:lvl7pPr>
+            <a:lvl8pPr marL="0" lvl="7" indent="0" algn="r" rtl="0">
+              <a:spcBef>
+                <a:spcPts val="0"/>
+              </a:spcBef>
+              <a:buNone/>
+              <a:defRPr/>
+            </a:lvl8pPr>
+            <a:lvl9pPr marL="0" lvl="8" indent="0" algn="r" rtl="0">
+              <a:spcBef>
+                <a:spcPts val="0"/>
+              </a:spcBef>
+              <a:buNone/>
+              <a:defRPr/>
+            </a:lvl9pPr>
+          </a:lstStyle>
+          <a:p>
+            <a:fld id="{00000000-1234-1234-1234-123412341234}" type="slidenum">
+              <a:rPr lang="en" smtClean="0"/>
+              <a:pPr/>
+              <a:t>‹#›</a:t>
+            </a:fld>
+            <a:endParaRPr lang="en"/>
+          </a:p>
+        </p:txBody>
+      </p:sp>
+    </p:spTree>
+  </p:cSld>
+  <p:clrMapOvr>
+    <a:masterClrMapping/>
+  </p:clrMapOvr>
+</p:sldLayout>
+</file>
+
+<file path=ppt/slideLayouts/slideLayout19.xml><?xml version="1.0" encoding="utf-8"?>
+<p:sldLayout xmlns:a="http://schemas.openxmlformats.org/drawingml/2006/main" xmlns:r="http://schemas.openxmlformats.org/officeDocument/2006/relationships" xmlns:p="http://schemas.openxmlformats.org/presentationml/2006/main" matchingName="Picture with Caption" type="picTx">
+  <p:cSld name="PICTURE_WITH_CAPTION_TEXT">
+    <p:spTree>
+      <p:nvGrpSpPr>
+        <p:cNvPr id="1" name="Shape 106"/>
+        <p:cNvGrpSpPr/>
+        <p:nvPr/>
+      </p:nvGrpSpPr>
+      <p:grpSpPr>
+        <a:xfrm>
+          <a:off x="0" y="0"/>
+          <a:ext cx="0" cy="0"/>
+          <a:chOff x="0" y="0"/>
+          <a:chExt cx="0" cy="0"/>
+        </a:xfrm>
+      </p:grpSpPr>
+      <p:sp>
+        <p:nvSpPr>
+          <p:cNvPr id="107" name="Google Shape;107;p22"/>
+          <p:cNvSpPr txBox="1">
+            <a:spLocks noGrp="1"/>
+          </p:cNvSpPr>
+          <p:nvPr>
+            <p:ph type="title"/>
+          </p:nvPr>
+        </p:nvSpPr>
+        <p:spPr>
+          <a:xfrm>
+            <a:off x="629841" y="457200"/>
+            <a:ext cx="2949000" cy="1600000"/>
+          </a:xfrm>
+          <a:prstGeom prst="rect">
+            <a:avLst/>
+          </a:prstGeom>
+          <a:noFill/>
+          <a:ln>
+            <a:noFill/>
+          </a:ln>
+        </p:spPr>
+        <p:txBody>
+          <a:bodyPr spcFirstLastPara="1" wrap="square" lIns="24250" tIns="12125" rIns="24250" bIns="12125" anchor="b" anchorCtr="0">
+            <a:noAutofit/>
+          </a:bodyPr>
+          <a:lstStyle>
+            <a:lvl1pPr lvl="0" algn="l" rtl="0">
+              <a:lnSpc>
+                <a:spcPct val="90000"/>
+              </a:lnSpc>
+              <a:spcBef>
+                <a:spcPts val="0"/>
+              </a:spcBef>
+              <a:spcAft>
+                <a:spcPts val="0"/>
+              </a:spcAft>
+              <a:buClr>
+                <a:schemeClr val="dk1"/>
+              </a:buClr>
+              <a:buSzPts val="2700"/>
+              <a:buFont typeface="Calibri"/>
+              <a:buNone/>
+              <a:defRPr sz="2700"/>
+            </a:lvl1pPr>
+            <a:lvl2pPr lvl="1" rtl="0">
+              <a:spcBef>
+                <a:spcPts val="0"/>
+              </a:spcBef>
+              <a:spcAft>
+                <a:spcPts val="0"/>
+              </a:spcAft>
+              <a:buSzPts val="400"/>
+              <a:buNone/>
+              <a:defRPr/>
+            </a:lvl2pPr>
+            <a:lvl3pPr lvl="2" rtl="0">
+              <a:spcBef>
+                <a:spcPts val="0"/>
+              </a:spcBef>
+              <a:spcAft>
+                <a:spcPts val="0"/>
+              </a:spcAft>
+              <a:buSzPts val="400"/>
+              <a:buNone/>
+              <a:defRPr/>
+            </a:lvl3pPr>
+            <a:lvl4pPr lvl="3" rtl="0">
+              <a:spcBef>
+                <a:spcPts val="0"/>
+              </a:spcBef>
+              <a:spcAft>
+                <a:spcPts val="0"/>
+              </a:spcAft>
+              <a:buSzPts val="400"/>
+              <a:buNone/>
+              <a:defRPr/>
+            </a:lvl4pPr>
+            <a:lvl5pPr lvl="4" rtl="0">
+              <a:spcBef>
+                <a:spcPts val="0"/>
+              </a:spcBef>
+              <a:spcAft>
+                <a:spcPts val="0"/>
+              </a:spcAft>
+              <a:buSzPts val="400"/>
+              <a:buNone/>
+              <a:defRPr/>
+            </a:lvl5pPr>
+            <a:lvl6pPr lvl="5" rtl="0">
+              <a:spcBef>
+                <a:spcPts val="0"/>
+              </a:spcBef>
+              <a:spcAft>
+                <a:spcPts val="0"/>
+              </a:spcAft>
+              <a:buSzPts val="400"/>
+              <a:buNone/>
+              <a:defRPr/>
+            </a:lvl6pPr>
+            <a:lvl7pPr lvl="6" rtl="0">
+              <a:spcBef>
+                <a:spcPts val="0"/>
+              </a:spcBef>
+              <a:spcAft>
+                <a:spcPts val="0"/>
+              </a:spcAft>
+              <a:buSzPts val="400"/>
+              <a:buNone/>
+              <a:defRPr/>
+            </a:lvl7pPr>
+            <a:lvl8pPr lvl="7" rtl="0">
+              <a:spcBef>
+                <a:spcPts val="0"/>
+              </a:spcBef>
+              <a:spcAft>
+                <a:spcPts val="0"/>
+              </a:spcAft>
+              <a:buSzPts val="400"/>
+              <a:buNone/>
+              <a:defRPr/>
+            </a:lvl8pPr>
+            <a:lvl9pPr lvl="8" rtl="0">
+              <a:spcBef>
+                <a:spcPts val="0"/>
+              </a:spcBef>
+              <a:spcAft>
+                <a:spcPts val="0"/>
+              </a:spcAft>
+              <a:buSzPts val="400"/>
+              <a:buNone/>
+              <a:defRPr/>
+            </a:lvl9pPr>
+          </a:lstStyle>
+          <a:p>
+            <a:endParaRPr/>
+          </a:p>
+        </p:txBody>
+      </p:sp>
+      <p:sp>
+        <p:nvSpPr>
+          <p:cNvPr id="108" name="Google Shape;108;p22"/>
+          <p:cNvSpPr>
+            <a:spLocks noGrp="1"/>
+          </p:cNvSpPr>
+          <p:nvPr>
+            <p:ph type="pic" idx="2"/>
+          </p:nvPr>
+        </p:nvSpPr>
+        <p:spPr>
+          <a:xfrm>
+            <a:off x="3887391" y="987427"/>
+            <a:ext cx="4629300" cy="4873600"/>
+          </a:xfrm>
+          <a:prstGeom prst="rect">
+            <a:avLst/>
+          </a:prstGeom>
+          <a:noFill/>
+          <a:ln>
+            <a:noFill/>
+          </a:ln>
+        </p:spPr>
+        <p:txBody>
+          <a:bodyPr spcFirstLastPara="1" wrap="square" lIns="24250" tIns="12125" rIns="24250" bIns="12125" anchor="t" anchorCtr="0">
+            <a:noAutofit/>
+          </a:bodyPr>
+          <a:lstStyle>
+            <a:lvl1pPr marR="0" lvl="0" algn="l" rtl="0">
+              <a:lnSpc>
+                <a:spcPct val="90000"/>
+              </a:lnSpc>
+              <a:spcBef>
+                <a:spcPts val="800"/>
+              </a:spcBef>
+              <a:spcAft>
+                <a:spcPts val="0"/>
+              </a:spcAft>
+              <a:buClr>
+                <a:schemeClr val="dk1"/>
+              </a:buClr>
+              <a:buSzPts val="2700"/>
+              <a:buFont typeface="Arial"/>
+              <a:buNone/>
+              <a:defRPr sz="2700" b="0" i="0" u="none" strike="noStrike" cap="none">
+                <a:solidFill>
+                  <a:schemeClr val="dk1"/>
+                </a:solidFill>
+                <a:latin typeface="Calibri"/>
+                <a:ea typeface="Calibri"/>
+                <a:cs typeface="Calibri"/>
+                <a:sym typeface="Calibri"/>
+              </a:defRPr>
+            </a:lvl1pPr>
+            <a:lvl2pPr marR="0" lvl="1" algn="l" rtl="0">
+              <a:lnSpc>
+                <a:spcPct val="90000"/>
+              </a:lnSpc>
+              <a:spcBef>
+                <a:spcPts val="500"/>
+              </a:spcBef>
+              <a:spcAft>
+                <a:spcPts val="0"/>
+              </a:spcAft>
+              <a:buClr>
+                <a:schemeClr val="dk1"/>
+              </a:buClr>
+              <a:buSzPts val="2400"/>
+              <a:buFont typeface="Arial"/>
+              <a:buNone/>
+              <a:defRPr sz="2400" b="0" i="0" u="none" strike="noStrike" cap="none">
+                <a:solidFill>
+                  <a:schemeClr val="dk1"/>
+                </a:solidFill>
+                <a:latin typeface="Calibri"/>
+                <a:ea typeface="Calibri"/>
+                <a:cs typeface="Calibri"/>
+                <a:sym typeface="Calibri"/>
+              </a:defRPr>
+            </a:lvl2pPr>
+            <a:lvl3pPr marR="0" lvl="2" algn="l" rtl="0">
+              <a:lnSpc>
+                <a:spcPct val="90000"/>
+              </a:lnSpc>
+              <a:spcBef>
+                <a:spcPts val="500"/>
+              </a:spcBef>
+              <a:spcAft>
+                <a:spcPts val="0"/>
+              </a:spcAft>
+              <a:buClr>
+                <a:schemeClr val="dk1"/>
+              </a:buClr>
+              <a:buSzPts val="2100"/>
+              <a:buFont typeface="Arial"/>
+              <a:buNone/>
+              <a:defRPr sz="2100" b="0" i="0" u="none" strike="noStrike" cap="none">
+                <a:solidFill>
+                  <a:schemeClr val="dk1"/>
+                </a:solidFill>
+                <a:latin typeface="Calibri"/>
+                <a:ea typeface="Calibri"/>
+                <a:cs typeface="Calibri"/>
+                <a:sym typeface="Calibri"/>
+              </a:defRPr>
+            </a:lvl3pPr>
+            <a:lvl4pPr marR="0" lvl="3" algn="l" rtl="0">
+              <a:lnSpc>
+                <a:spcPct val="90000"/>
+              </a:lnSpc>
+              <a:spcBef>
+                <a:spcPts val="500"/>
+              </a:spcBef>
+              <a:spcAft>
+                <a:spcPts val="0"/>
+              </a:spcAft>
+              <a:buClr>
+                <a:schemeClr val="dk1"/>
+              </a:buClr>
+              <a:buSzPts val="1700"/>
+              <a:buFont typeface="Arial"/>
+              <a:buNone/>
+              <a:defRPr sz="1700" b="0" i="0" u="none" strike="noStrike" cap="none">
+                <a:solidFill>
+                  <a:schemeClr val="dk1"/>
+                </a:solidFill>
+                <a:latin typeface="Calibri"/>
+                <a:ea typeface="Calibri"/>
+                <a:cs typeface="Calibri"/>
+                <a:sym typeface="Calibri"/>
+              </a:defRPr>
+            </a:lvl4pPr>
+            <a:lvl5pPr marR="0" lvl="4" algn="l" rtl="0">
+              <a:lnSpc>
+                <a:spcPct val="90000"/>
+              </a:lnSpc>
+              <a:spcBef>
+                <a:spcPts val="500"/>
+              </a:spcBef>
+              <a:spcAft>
+                <a:spcPts val="0"/>
+              </a:spcAft>
+              <a:buClr>
+                <a:schemeClr val="dk1"/>
+              </a:buClr>
+              <a:buSzPts val="1700"/>
+              <a:buFont typeface="Arial"/>
+              <a:buNone/>
+              <a:defRPr sz="1700" b="0" i="0" u="none" strike="noStrike" cap="none">
+                <a:solidFill>
+                  <a:schemeClr val="dk1"/>
+                </a:solidFill>
+                <a:latin typeface="Calibri"/>
+                <a:ea typeface="Calibri"/>
+                <a:cs typeface="Calibri"/>
+                <a:sym typeface="Calibri"/>
+              </a:defRPr>
+            </a:lvl5pPr>
+            <a:lvl6pPr marR="0" lvl="5" algn="l" rtl="0">
+              <a:lnSpc>
+                <a:spcPct val="90000"/>
+              </a:lnSpc>
+              <a:spcBef>
+                <a:spcPts val="500"/>
+              </a:spcBef>
+              <a:spcAft>
+                <a:spcPts val="0"/>
+              </a:spcAft>
+              <a:buClr>
+                <a:schemeClr val="dk1"/>
+              </a:buClr>
+              <a:buSzPts val="1700"/>
+              <a:buFont typeface="Arial"/>
+              <a:buNone/>
+              <a:defRPr sz="1700" b="0" i="0" u="none" strike="noStrike" cap="none">
+                <a:solidFill>
+                  <a:schemeClr val="dk1"/>
+                </a:solidFill>
+                <a:latin typeface="Calibri"/>
+                <a:ea typeface="Calibri"/>
+                <a:cs typeface="Calibri"/>
+                <a:sym typeface="Calibri"/>
+              </a:defRPr>
+            </a:lvl6pPr>
+            <a:lvl7pPr marR="0" lvl="6" algn="l" rtl="0">
+              <a:lnSpc>
+                <a:spcPct val="90000"/>
+              </a:lnSpc>
+              <a:spcBef>
+                <a:spcPts val="500"/>
+              </a:spcBef>
+              <a:spcAft>
+                <a:spcPts val="0"/>
+              </a:spcAft>
+              <a:buClr>
+                <a:schemeClr val="dk1"/>
+              </a:buClr>
+              <a:buSzPts val="1700"/>
+              <a:buFont typeface="Arial"/>
+              <a:buNone/>
+              <a:defRPr sz="1700" b="0" i="0" u="none" strike="noStrike" cap="none">
+                <a:solidFill>
+                  <a:schemeClr val="dk1"/>
+                </a:solidFill>
+                <a:latin typeface="Calibri"/>
+                <a:ea typeface="Calibri"/>
+                <a:cs typeface="Calibri"/>
+                <a:sym typeface="Calibri"/>
+              </a:defRPr>
+            </a:lvl7pPr>
+            <a:lvl8pPr marR="0" lvl="7" algn="l" rtl="0">
+              <a:lnSpc>
+                <a:spcPct val="90000"/>
+              </a:lnSpc>
+              <a:spcBef>
+                <a:spcPts val="500"/>
+              </a:spcBef>
+              <a:spcAft>
+                <a:spcPts val="0"/>
+              </a:spcAft>
+              <a:buClr>
+                <a:schemeClr val="dk1"/>
+              </a:buClr>
+              <a:buSzPts val="1700"/>
+              <a:buFont typeface="Arial"/>
+              <a:buNone/>
+              <a:defRPr sz="1700" b="0" i="0" u="none" strike="noStrike" cap="none">
+                <a:solidFill>
+                  <a:schemeClr val="dk1"/>
+                </a:solidFill>
+                <a:latin typeface="Calibri"/>
+                <a:ea typeface="Calibri"/>
+                <a:cs typeface="Calibri"/>
+                <a:sym typeface="Calibri"/>
+              </a:defRPr>
+            </a:lvl8pPr>
+            <a:lvl9pPr marR="0" lvl="8" algn="l" rtl="0">
+              <a:lnSpc>
+                <a:spcPct val="90000"/>
+              </a:lnSpc>
+              <a:spcBef>
+                <a:spcPts val="500"/>
+              </a:spcBef>
+              <a:spcAft>
+                <a:spcPts val="0"/>
+              </a:spcAft>
+              <a:buClr>
+                <a:schemeClr val="dk1"/>
+              </a:buClr>
+              <a:buSzPts val="1700"/>
+              <a:buFont typeface="Arial"/>
+              <a:buNone/>
+              <a:defRPr sz="1700" b="0" i="0" u="none" strike="noStrike" cap="none">
+                <a:solidFill>
+                  <a:schemeClr val="dk1"/>
+                </a:solidFill>
+                <a:latin typeface="Calibri"/>
+                <a:ea typeface="Calibri"/>
+                <a:cs typeface="Calibri"/>
+                <a:sym typeface="Calibri"/>
+              </a:defRPr>
+            </a:lvl9pPr>
+          </a:lstStyle>
+          <a:p>
+            <a:endParaRPr/>
+          </a:p>
+        </p:txBody>
+      </p:sp>
+      <p:sp>
+        <p:nvSpPr>
+          <p:cNvPr id="109" name="Google Shape;109;p22"/>
+          <p:cNvSpPr txBox="1">
+            <a:spLocks noGrp="1"/>
+          </p:cNvSpPr>
+          <p:nvPr>
+            <p:ph type="body" idx="1"/>
+          </p:nvPr>
+        </p:nvSpPr>
+        <p:spPr>
+          <a:xfrm>
+            <a:off x="629841" y="2057400"/>
+            <a:ext cx="2949000" cy="3811600"/>
+          </a:xfrm>
+          <a:prstGeom prst="rect">
+            <a:avLst/>
+          </a:prstGeom>
+          <a:noFill/>
+          <a:ln>
+            <a:noFill/>
+          </a:ln>
+        </p:spPr>
+        <p:txBody>
+          <a:bodyPr spcFirstLastPara="1" wrap="square" lIns="24250" tIns="12125" rIns="24250" bIns="12125" anchor="t" anchorCtr="0">
+            <a:noAutofit/>
+          </a:bodyPr>
+          <a:lstStyle>
+            <a:lvl1pPr marL="457189" lvl="0" indent="-228594" algn="l" rtl="0">
+              <a:lnSpc>
+                <a:spcPct val="90000"/>
+              </a:lnSpc>
+              <a:spcBef>
+                <a:spcPts val="800"/>
+              </a:spcBef>
+              <a:spcAft>
+                <a:spcPts val="0"/>
+              </a:spcAft>
+              <a:buClr>
+                <a:schemeClr val="dk1"/>
+              </a:buClr>
+              <a:buSzPts val="1400"/>
+              <a:buNone/>
+              <a:defRPr sz="1400"/>
+            </a:lvl1pPr>
+            <a:lvl2pPr marL="914378" lvl="1" indent="-228594" algn="l" rtl="0">
+              <a:lnSpc>
+                <a:spcPct val="90000"/>
+              </a:lnSpc>
+              <a:spcBef>
+                <a:spcPts val="500"/>
+              </a:spcBef>
+              <a:spcAft>
+                <a:spcPts val="0"/>
+              </a:spcAft>
+              <a:buClr>
+                <a:schemeClr val="dk1"/>
+              </a:buClr>
+              <a:buSzPts val="1200"/>
+              <a:buNone/>
+              <a:defRPr sz="1200"/>
+            </a:lvl2pPr>
+            <a:lvl3pPr marL="1371566" lvl="2" indent="-228594" algn="l" rtl="0">
+              <a:lnSpc>
+                <a:spcPct val="90000"/>
+              </a:lnSpc>
+              <a:spcBef>
+                <a:spcPts val="500"/>
+              </a:spcBef>
+              <a:spcAft>
+                <a:spcPts val="0"/>
+              </a:spcAft>
+              <a:buClr>
+                <a:schemeClr val="dk1"/>
+              </a:buClr>
+              <a:buSzPts val="1000"/>
+              <a:buNone/>
+              <a:defRPr sz="1000"/>
+            </a:lvl3pPr>
+            <a:lvl4pPr marL="1828754" lvl="3" indent="-228594" algn="l" rtl="0">
+              <a:lnSpc>
+                <a:spcPct val="90000"/>
+              </a:lnSpc>
+              <a:spcBef>
+                <a:spcPts val="500"/>
+              </a:spcBef>
+              <a:spcAft>
+                <a:spcPts val="0"/>
+              </a:spcAft>
+              <a:buClr>
+                <a:schemeClr val="dk1"/>
+              </a:buClr>
+              <a:buSzPts val="800"/>
+              <a:buNone/>
+              <a:defRPr sz="800"/>
+            </a:lvl4pPr>
+            <a:lvl5pPr marL="2285943" lvl="4" indent="-228594" algn="l" rtl="0">
+              <a:lnSpc>
+                <a:spcPct val="90000"/>
+              </a:lnSpc>
+              <a:spcBef>
+                <a:spcPts val="500"/>
+              </a:spcBef>
+              <a:spcAft>
+                <a:spcPts val="0"/>
+              </a:spcAft>
+              <a:buClr>
+                <a:schemeClr val="dk1"/>
+              </a:buClr>
+              <a:buSzPts val="800"/>
+              <a:buNone/>
+              <a:defRPr sz="800"/>
+            </a:lvl5pPr>
+            <a:lvl6pPr marL="2743132" lvl="5" indent="-228594" algn="l" rtl="0">
+              <a:lnSpc>
+                <a:spcPct val="90000"/>
+              </a:lnSpc>
+              <a:spcBef>
+                <a:spcPts val="500"/>
+              </a:spcBef>
+              <a:spcAft>
+                <a:spcPts val="0"/>
+              </a:spcAft>
+              <a:buClr>
+                <a:schemeClr val="dk1"/>
+              </a:buClr>
+              <a:buSzPts val="800"/>
+              <a:buNone/>
+              <a:defRPr sz="800"/>
+            </a:lvl6pPr>
+            <a:lvl7pPr marL="3200320" lvl="6" indent="-228594" algn="l" rtl="0">
+              <a:lnSpc>
+                <a:spcPct val="90000"/>
+              </a:lnSpc>
+              <a:spcBef>
+                <a:spcPts val="500"/>
+              </a:spcBef>
+              <a:spcAft>
+                <a:spcPts val="0"/>
+              </a:spcAft>
+              <a:buClr>
+                <a:schemeClr val="dk1"/>
+              </a:buClr>
+              <a:buSzPts val="800"/>
+              <a:buNone/>
+              <a:defRPr sz="800"/>
+            </a:lvl7pPr>
+            <a:lvl8pPr marL="3657509" lvl="7" indent="-228594" algn="l" rtl="0">
+              <a:lnSpc>
+                <a:spcPct val="90000"/>
+              </a:lnSpc>
+              <a:spcBef>
+                <a:spcPts val="500"/>
+              </a:spcBef>
+              <a:spcAft>
+                <a:spcPts val="0"/>
+              </a:spcAft>
+              <a:buClr>
+                <a:schemeClr val="dk1"/>
+              </a:buClr>
+              <a:buSzPts val="800"/>
+              <a:buNone/>
+              <a:defRPr sz="800"/>
+            </a:lvl8pPr>
+            <a:lvl9pPr marL="4114697" lvl="8" indent="-228594" algn="l" rtl="0">
+              <a:lnSpc>
+                <a:spcPct val="90000"/>
+              </a:lnSpc>
+              <a:spcBef>
+                <a:spcPts val="500"/>
+              </a:spcBef>
+              <a:spcAft>
+                <a:spcPts val="0"/>
+              </a:spcAft>
+              <a:buClr>
+                <a:schemeClr val="dk1"/>
+              </a:buClr>
+              <a:buSzPts val="800"/>
+              <a:buNone/>
+              <a:defRPr sz="800"/>
+            </a:lvl9pPr>
+          </a:lstStyle>
+          <a:p>
+            <a:endParaRPr/>
+          </a:p>
+        </p:txBody>
+      </p:sp>
+      <p:sp>
+        <p:nvSpPr>
+          <p:cNvPr id="110" name="Google Shape;110;p22"/>
+          <p:cNvSpPr txBox="1">
+            <a:spLocks noGrp="1"/>
+          </p:cNvSpPr>
+          <p:nvPr>
+            <p:ph type="dt" idx="10"/>
+          </p:nvPr>
+        </p:nvSpPr>
+        <p:spPr>
+          <a:xfrm>
+            <a:off x="628650" y="6356352"/>
+            <a:ext cx="2057400" cy="365200"/>
+          </a:xfrm>
+          <a:prstGeom prst="rect">
+            <a:avLst/>
+          </a:prstGeom>
+          <a:noFill/>
+          <a:ln>
+            <a:noFill/>
+          </a:ln>
+        </p:spPr>
+        <p:txBody>
+          <a:bodyPr spcFirstLastPara="1" wrap="square" lIns="24250" tIns="12125" rIns="24250" bIns="12125" anchor="ctr" anchorCtr="0">
+            <a:noAutofit/>
+          </a:bodyPr>
+          <a:lstStyle>
+            <a:lvl1pPr lvl="0" algn="l" rtl="0">
+              <a:spcBef>
+                <a:spcPts val="0"/>
+              </a:spcBef>
+              <a:spcAft>
+                <a:spcPts val="0"/>
+              </a:spcAft>
+              <a:buSzPts val="400"/>
+              <a:buNone/>
+              <a:defRPr/>
+            </a:lvl1pPr>
+            <a:lvl2pPr lvl="1" algn="l" rtl="0">
+              <a:spcBef>
+                <a:spcPts val="0"/>
+              </a:spcBef>
+              <a:spcAft>
+                <a:spcPts val="0"/>
+              </a:spcAft>
+              <a:buSzPts val="400"/>
+              <a:buNone/>
+              <a:defRPr/>
+            </a:lvl2pPr>
+            <a:lvl3pPr lvl="2" algn="l" rtl="0">
+              <a:spcBef>
+                <a:spcPts val="0"/>
+              </a:spcBef>
+              <a:spcAft>
+                <a:spcPts val="0"/>
+              </a:spcAft>
+              <a:buSzPts val="400"/>
+              <a:buNone/>
+              <a:defRPr/>
+            </a:lvl3pPr>
+            <a:lvl4pPr lvl="3" algn="l" rtl="0">
+              <a:spcBef>
+                <a:spcPts val="0"/>
+              </a:spcBef>
+              <a:spcAft>
+                <a:spcPts val="0"/>
+              </a:spcAft>
+              <a:buSzPts val="400"/>
+              <a:buNone/>
+              <a:defRPr/>
+            </a:lvl4pPr>
+            <a:lvl5pPr lvl="4" algn="l" rtl="0">
+              <a:spcBef>
+                <a:spcPts val="0"/>
+              </a:spcBef>
+              <a:spcAft>
+                <a:spcPts val="0"/>
+              </a:spcAft>
+              <a:buSzPts val="400"/>
+              <a:buNone/>
+              <a:defRPr/>
+            </a:lvl5pPr>
+            <a:lvl6pPr lvl="5" algn="l" rtl="0">
+              <a:spcBef>
+                <a:spcPts val="0"/>
+              </a:spcBef>
+              <a:spcAft>
+                <a:spcPts val="0"/>
+              </a:spcAft>
+              <a:buSzPts val="400"/>
+              <a:buNone/>
+              <a:defRPr/>
+            </a:lvl6pPr>
+            <a:lvl7pPr lvl="6" algn="l" rtl="0">
+              <a:spcBef>
+                <a:spcPts val="0"/>
+              </a:spcBef>
+              <a:spcAft>
+                <a:spcPts val="0"/>
+              </a:spcAft>
+              <a:buSzPts val="400"/>
+              <a:buNone/>
+              <a:defRPr/>
+            </a:lvl7pPr>
+            <a:lvl8pPr lvl="7" algn="l" rtl="0">
+              <a:spcBef>
+                <a:spcPts val="0"/>
+              </a:spcBef>
+              <a:spcAft>
+                <a:spcPts val="0"/>
+              </a:spcAft>
+              <a:buSzPts val="400"/>
+              <a:buNone/>
+              <a:defRPr/>
+            </a:lvl8pPr>
+            <a:lvl9pPr lvl="8" algn="l" rtl="0">
+              <a:spcBef>
+                <a:spcPts val="0"/>
+              </a:spcBef>
+              <a:spcAft>
+                <a:spcPts val="0"/>
+              </a:spcAft>
+              <a:buSzPts val="400"/>
+              <a:buNone/>
+              <a:defRPr/>
+            </a:lvl9pPr>
+          </a:lstStyle>
+          <a:p>
+            <a:endParaRPr/>
+          </a:p>
+        </p:txBody>
+      </p:sp>
+      <p:sp>
+        <p:nvSpPr>
+          <p:cNvPr id="111" name="Google Shape;111;p22"/>
+          <p:cNvSpPr txBox="1">
+            <a:spLocks noGrp="1"/>
+          </p:cNvSpPr>
+          <p:nvPr>
+            <p:ph type="ftr" idx="11"/>
+          </p:nvPr>
+        </p:nvSpPr>
+        <p:spPr>
+          <a:xfrm>
+            <a:off x="3028950" y="6356352"/>
+            <a:ext cx="3086100" cy="365200"/>
+          </a:xfrm>
+          <a:prstGeom prst="rect">
+            <a:avLst/>
+          </a:prstGeom>
+          <a:noFill/>
+          <a:ln>
+            <a:noFill/>
+          </a:ln>
+        </p:spPr>
+        <p:txBody>
+          <a:bodyPr spcFirstLastPara="1" wrap="square" lIns="24250" tIns="12125" rIns="24250" bIns="12125" anchor="ctr" anchorCtr="0">
+            <a:noAutofit/>
+          </a:bodyPr>
+          <a:lstStyle>
+            <a:lvl1pPr lvl="0" algn="ctr" rtl="0">
+              <a:spcBef>
+                <a:spcPts val="0"/>
+              </a:spcBef>
+              <a:spcAft>
+                <a:spcPts val="0"/>
+              </a:spcAft>
+              <a:buSzPts val="400"/>
+              <a:buNone/>
+              <a:defRPr/>
+            </a:lvl1pPr>
+            <a:lvl2pPr lvl="1" algn="l" rtl="0">
+              <a:spcBef>
+                <a:spcPts val="0"/>
+              </a:spcBef>
+              <a:spcAft>
+                <a:spcPts val="0"/>
+              </a:spcAft>
+              <a:buSzPts val="400"/>
+              <a:buNone/>
+              <a:defRPr/>
+            </a:lvl2pPr>
+            <a:lvl3pPr lvl="2" algn="l" rtl="0">
+              <a:spcBef>
+                <a:spcPts val="0"/>
+              </a:spcBef>
+              <a:spcAft>
+                <a:spcPts val="0"/>
+              </a:spcAft>
+              <a:buSzPts val="400"/>
+              <a:buNone/>
+              <a:defRPr/>
+            </a:lvl3pPr>
+            <a:lvl4pPr lvl="3" algn="l" rtl="0">
+              <a:spcBef>
+                <a:spcPts val="0"/>
+              </a:spcBef>
+              <a:spcAft>
+                <a:spcPts val="0"/>
+              </a:spcAft>
+              <a:buSzPts val="400"/>
+              <a:buNone/>
+              <a:defRPr/>
+            </a:lvl4pPr>
+            <a:lvl5pPr lvl="4" algn="l" rtl="0">
+              <a:spcBef>
+                <a:spcPts val="0"/>
+              </a:spcBef>
+              <a:spcAft>
+                <a:spcPts val="0"/>
+              </a:spcAft>
+              <a:buSzPts val="400"/>
+              <a:buNone/>
+              <a:defRPr/>
+            </a:lvl5pPr>
+            <a:lvl6pPr lvl="5" algn="l" rtl="0">
+              <a:spcBef>
+                <a:spcPts val="0"/>
+              </a:spcBef>
+              <a:spcAft>
+                <a:spcPts val="0"/>
+              </a:spcAft>
+              <a:buSzPts val="400"/>
+              <a:buNone/>
+              <a:defRPr/>
+            </a:lvl6pPr>
+            <a:lvl7pPr lvl="6" algn="l" rtl="0">
+              <a:spcBef>
+                <a:spcPts val="0"/>
+              </a:spcBef>
+              <a:spcAft>
+                <a:spcPts val="0"/>
+              </a:spcAft>
+              <a:buSzPts val="400"/>
+              <a:buNone/>
+              <a:defRPr/>
+            </a:lvl7pPr>
+            <a:lvl8pPr lvl="7" algn="l" rtl="0">
+              <a:spcBef>
+                <a:spcPts val="0"/>
+              </a:spcBef>
+              <a:spcAft>
+                <a:spcPts val="0"/>
+              </a:spcAft>
+              <a:buSzPts val="400"/>
+              <a:buNone/>
+              <a:defRPr/>
+            </a:lvl8pPr>
+            <a:lvl9pPr lvl="8" algn="l" rtl="0">
+              <a:spcBef>
+                <a:spcPts val="0"/>
+              </a:spcBef>
+              <a:spcAft>
+                <a:spcPts val="0"/>
+              </a:spcAft>
+              <a:buSzPts val="400"/>
+              <a:buNone/>
+              <a:defRPr/>
+            </a:lvl9pPr>
+          </a:lstStyle>
+          <a:p>
+            <a:endParaRPr/>
+          </a:p>
+        </p:txBody>
+      </p:sp>
+      <p:sp>
+        <p:nvSpPr>
+          <p:cNvPr id="112" name="Google Shape;112;p22"/>
           <p:cNvSpPr txBox="1">
             <a:spLocks noGrp="1"/>
           </p:cNvSpPr>
@@ -8093,994 +8362,6 @@
 </file>
 
 <file path=ppt/slideLayouts/slideLayout20.xml><?xml version="1.0" encoding="utf-8"?>
-<p:sldLayout xmlns:a="http://schemas.openxmlformats.org/drawingml/2006/main" xmlns:r="http://schemas.openxmlformats.org/officeDocument/2006/relationships" xmlns:p="http://schemas.openxmlformats.org/presentationml/2006/main" matchingName="Picture with Caption" type="picTx">
-  <p:cSld name="PICTURE_WITH_CAPTION_TEXT">
-    <p:spTree>
-      <p:nvGrpSpPr>
-        <p:cNvPr id="1" name="Shape 106"/>
-        <p:cNvGrpSpPr/>
-        <p:nvPr/>
-      </p:nvGrpSpPr>
-      <p:grpSpPr>
-        <a:xfrm>
-          <a:off x="0" y="0"/>
-          <a:ext cx="0" cy="0"/>
-          <a:chOff x="0" y="0"/>
-          <a:chExt cx="0" cy="0"/>
-        </a:xfrm>
-      </p:grpSpPr>
-      <p:sp>
-        <p:nvSpPr>
-          <p:cNvPr id="107" name="Google Shape;107;p22"/>
-          <p:cNvSpPr txBox="1">
-            <a:spLocks noGrp="1"/>
-          </p:cNvSpPr>
-          <p:nvPr>
-            <p:ph type="title"/>
-          </p:nvPr>
-        </p:nvSpPr>
-        <p:spPr>
-          <a:xfrm>
-            <a:off x="629841" y="457200"/>
-            <a:ext cx="2949000" cy="1600000"/>
-          </a:xfrm>
-          <a:prstGeom prst="rect">
-            <a:avLst/>
-          </a:prstGeom>
-          <a:noFill/>
-          <a:ln>
-            <a:noFill/>
-          </a:ln>
-        </p:spPr>
-        <p:txBody>
-          <a:bodyPr spcFirstLastPara="1" wrap="square" lIns="24250" tIns="12125" rIns="24250" bIns="12125" anchor="b" anchorCtr="0">
-            <a:noAutofit/>
-          </a:bodyPr>
-          <a:lstStyle>
-            <a:lvl1pPr lvl="0" algn="l" rtl="0">
-              <a:lnSpc>
-                <a:spcPct val="90000"/>
-              </a:lnSpc>
-              <a:spcBef>
-                <a:spcPts val="0"/>
-              </a:spcBef>
-              <a:spcAft>
-                <a:spcPts val="0"/>
-              </a:spcAft>
-              <a:buClr>
-                <a:schemeClr val="dk1"/>
-              </a:buClr>
-              <a:buSzPts val="2700"/>
-              <a:buFont typeface="Calibri"/>
-              <a:buNone/>
-              <a:defRPr sz="2700"/>
-            </a:lvl1pPr>
-            <a:lvl2pPr lvl="1" rtl="0">
-              <a:spcBef>
-                <a:spcPts val="0"/>
-              </a:spcBef>
-              <a:spcAft>
-                <a:spcPts val="0"/>
-              </a:spcAft>
-              <a:buSzPts val="400"/>
-              <a:buNone/>
-              <a:defRPr/>
-            </a:lvl2pPr>
-            <a:lvl3pPr lvl="2" rtl="0">
-              <a:spcBef>
-                <a:spcPts val="0"/>
-              </a:spcBef>
-              <a:spcAft>
-                <a:spcPts val="0"/>
-              </a:spcAft>
-              <a:buSzPts val="400"/>
-              <a:buNone/>
-              <a:defRPr/>
-            </a:lvl3pPr>
-            <a:lvl4pPr lvl="3" rtl="0">
-              <a:spcBef>
-                <a:spcPts val="0"/>
-              </a:spcBef>
-              <a:spcAft>
-                <a:spcPts val="0"/>
-              </a:spcAft>
-              <a:buSzPts val="400"/>
-              <a:buNone/>
-              <a:defRPr/>
-            </a:lvl4pPr>
-            <a:lvl5pPr lvl="4" rtl="0">
-              <a:spcBef>
-                <a:spcPts val="0"/>
-              </a:spcBef>
-              <a:spcAft>
-                <a:spcPts val="0"/>
-              </a:spcAft>
-              <a:buSzPts val="400"/>
-              <a:buNone/>
-              <a:defRPr/>
-            </a:lvl5pPr>
-            <a:lvl6pPr lvl="5" rtl="0">
-              <a:spcBef>
-                <a:spcPts val="0"/>
-              </a:spcBef>
-              <a:spcAft>
-                <a:spcPts val="0"/>
-              </a:spcAft>
-              <a:buSzPts val="400"/>
-              <a:buNone/>
-              <a:defRPr/>
-            </a:lvl6pPr>
-            <a:lvl7pPr lvl="6" rtl="0">
-              <a:spcBef>
-                <a:spcPts val="0"/>
-              </a:spcBef>
-              <a:spcAft>
-                <a:spcPts val="0"/>
-              </a:spcAft>
-              <a:buSzPts val="400"/>
-              <a:buNone/>
-              <a:defRPr/>
-            </a:lvl7pPr>
-            <a:lvl8pPr lvl="7" rtl="0">
-              <a:spcBef>
-                <a:spcPts val="0"/>
-              </a:spcBef>
-              <a:spcAft>
-                <a:spcPts val="0"/>
-              </a:spcAft>
-              <a:buSzPts val="400"/>
-              <a:buNone/>
-              <a:defRPr/>
-            </a:lvl8pPr>
-            <a:lvl9pPr lvl="8" rtl="0">
-              <a:spcBef>
-                <a:spcPts val="0"/>
-              </a:spcBef>
-              <a:spcAft>
-                <a:spcPts val="0"/>
-              </a:spcAft>
-              <a:buSzPts val="400"/>
-              <a:buNone/>
-              <a:defRPr/>
-            </a:lvl9pPr>
-          </a:lstStyle>
-          <a:p>
-            <a:endParaRPr/>
-          </a:p>
-        </p:txBody>
-      </p:sp>
-      <p:sp>
-        <p:nvSpPr>
-          <p:cNvPr id="108" name="Google Shape;108;p22"/>
-          <p:cNvSpPr>
-            <a:spLocks noGrp="1"/>
-          </p:cNvSpPr>
-          <p:nvPr>
-            <p:ph type="pic" idx="2"/>
-          </p:nvPr>
-        </p:nvSpPr>
-        <p:spPr>
-          <a:xfrm>
-            <a:off x="3887391" y="987427"/>
-            <a:ext cx="4629300" cy="4873600"/>
-          </a:xfrm>
-          <a:prstGeom prst="rect">
-            <a:avLst/>
-          </a:prstGeom>
-          <a:noFill/>
-          <a:ln>
-            <a:noFill/>
-          </a:ln>
-        </p:spPr>
-        <p:txBody>
-          <a:bodyPr spcFirstLastPara="1" wrap="square" lIns="24250" tIns="12125" rIns="24250" bIns="12125" anchor="t" anchorCtr="0">
-            <a:noAutofit/>
-          </a:bodyPr>
-          <a:lstStyle>
-            <a:lvl1pPr marR="0" lvl="0" algn="l" rtl="0">
-              <a:lnSpc>
-                <a:spcPct val="90000"/>
-              </a:lnSpc>
-              <a:spcBef>
-                <a:spcPts val="800"/>
-              </a:spcBef>
-              <a:spcAft>
-                <a:spcPts val="0"/>
-              </a:spcAft>
-              <a:buClr>
-                <a:schemeClr val="dk1"/>
-              </a:buClr>
-              <a:buSzPts val="2700"/>
-              <a:buFont typeface="Arial"/>
-              <a:buNone/>
-              <a:defRPr sz="2700" b="0" i="0" u="none" strike="noStrike" cap="none">
-                <a:solidFill>
-                  <a:schemeClr val="dk1"/>
-                </a:solidFill>
-                <a:latin typeface="Calibri"/>
-                <a:ea typeface="Calibri"/>
-                <a:cs typeface="Calibri"/>
-                <a:sym typeface="Calibri"/>
-              </a:defRPr>
-            </a:lvl1pPr>
-            <a:lvl2pPr marR="0" lvl="1" algn="l" rtl="0">
-              <a:lnSpc>
-                <a:spcPct val="90000"/>
-              </a:lnSpc>
-              <a:spcBef>
-                <a:spcPts val="500"/>
-              </a:spcBef>
-              <a:spcAft>
-                <a:spcPts val="0"/>
-              </a:spcAft>
-              <a:buClr>
-                <a:schemeClr val="dk1"/>
-              </a:buClr>
-              <a:buSzPts val="2400"/>
-              <a:buFont typeface="Arial"/>
-              <a:buNone/>
-              <a:defRPr sz="2400" b="0" i="0" u="none" strike="noStrike" cap="none">
-                <a:solidFill>
-                  <a:schemeClr val="dk1"/>
-                </a:solidFill>
-                <a:latin typeface="Calibri"/>
-                <a:ea typeface="Calibri"/>
-                <a:cs typeface="Calibri"/>
-                <a:sym typeface="Calibri"/>
-              </a:defRPr>
-            </a:lvl2pPr>
-            <a:lvl3pPr marR="0" lvl="2" algn="l" rtl="0">
-              <a:lnSpc>
-                <a:spcPct val="90000"/>
-              </a:lnSpc>
-              <a:spcBef>
-                <a:spcPts val="500"/>
-              </a:spcBef>
-              <a:spcAft>
-                <a:spcPts val="0"/>
-              </a:spcAft>
-              <a:buClr>
-                <a:schemeClr val="dk1"/>
-              </a:buClr>
-              <a:buSzPts val="2100"/>
-              <a:buFont typeface="Arial"/>
-              <a:buNone/>
-              <a:defRPr sz="2100" b="0" i="0" u="none" strike="noStrike" cap="none">
-                <a:solidFill>
-                  <a:schemeClr val="dk1"/>
-                </a:solidFill>
-                <a:latin typeface="Calibri"/>
-                <a:ea typeface="Calibri"/>
-                <a:cs typeface="Calibri"/>
-                <a:sym typeface="Calibri"/>
-              </a:defRPr>
-            </a:lvl3pPr>
-            <a:lvl4pPr marR="0" lvl="3" algn="l" rtl="0">
-              <a:lnSpc>
-                <a:spcPct val="90000"/>
-              </a:lnSpc>
-              <a:spcBef>
-                <a:spcPts val="500"/>
-              </a:spcBef>
-              <a:spcAft>
-                <a:spcPts val="0"/>
-              </a:spcAft>
-              <a:buClr>
-                <a:schemeClr val="dk1"/>
-              </a:buClr>
-              <a:buSzPts val="1700"/>
-              <a:buFont typeface="Arial"/>
-              <a:buNone/>
-              <a:defRPr sz="1700" b="0" i="0" u="none" strike="noStrike" cap="none">
-                <a:solidFill>
-                  <a:schemeClr val="dk1"/>
-                </a:solidFill>
-                <a:latin typeface="Calibri"/>
-                <a:ea typeface="Calibri"/>
-                <a:cs typeface="Calibri"/>
-                <a:sym typeface="Calibri"/>
-              </a:defRPr>
-            </a:lvl4pPr>
-            <a:lvl5pPr marR="0" lvl="4" algn="l" rtl="0">
-              <a:lnSpc>
-                <a:spcPct val="90000"/>
-              </a:lnSpc>
-              <a:spcBef>
-                <a:spcPts val="500"/>
-              </a:spcBef>
-              <a:spcAft>
-                <a:spcPts val="0"/>
-              </a:spcAft>
-              <a:buClr>
-                <a:schemeClr val="dk1"/>
-              </a:buClr>
-              <a:buSzPts val="1700"/>
-              <a:buFont typeface="Arial"/>
-              <a:buNone/>
-              <a:defRPr sz="1700" b="0" i="0" u="none" strike="noStrike" cap="none">
-                <a:solidFill>
-                  <a:schemeClr val="dk1"/>
-                </a:solidFill>
-                <a:latin typeface="Calibri"/>
-                <a:ea typeface="Calibri"/>
-                <a:cs typeface="Calibri"/>
-                <a:sym typeface="Calibri"/>
-              </a:defRPr>
-            </a:lvl5pPr>
-            <a:lvl6pPr marR="0" lvl="5" algn="l" rtl="0">
-              <a:lnSpc>
-                <a:spcPct val="90000"/>
-              </a:lnSpc>
-              <a:spcBef>
-                <a:spcPts val="500"/>
-              </a:spcBef>
-              <a:spcAft>
-                <a:spcPts val="0"/>
-              </a:spcAft>
-              <a:buClr>
-                <a:schemeClr val="dk1"/>
-              </a:buClr>
-              <a:buSzPts val="1700"/>
-              <a:buFont typeface="Arial"/>
-              <a:buNone/>
-              <a:defRPr sz="1700" b="0" i="0" u="none" strike="noStrike" cap="none">
-                <a:solidFill>
-                  <a:schemeClr val="dk1"/>
-                </a:solidFill>
-                <a:latin typeface="Calibri"/>
-                <a:ea typeface="Calibri"/>
-                <a:cs typeface="Calibri"/>
-                <a:sym typeface="Calibri"/>
-              </a:defRPr>
-            </a:lvl6pPr>
-            <a:lvl7pPr marR="0" lvl="6" algn="l" rtl="0">
-              <a:lnSpc>
-                <a:spcPct val="90000"/>
-              </a:lnSpc>
-              <a:spcBef>
-                <a:spcPts val="500"/>
-              </a:spcBef>
-              <a:spcAft>
-                <a:spcPts val="0"/>
-              </a:spcAft>
-              <a:buClr>
-                <a:schemeClr val="dk1"/>
-              </a:buClr>
-              <a:buSzPts val="1700"/>
-              <a:buFont typeface="Arial"/>
-              <a:buNone/>
-              <a:defRPr sz="1700" b="0" i="0" u="none" strike="noStrike" cap="none">
-                <a:solidFill>
-                  <a:schemeClr val="dk1"/>
-                </a:solidFill>
-                <a:latin typeface="Calibri"/>
-                <a:ea typeface="Calibri"/>
-                <a:cs typeface="Calibri"/>
-                <a:sym typeface="Calibri"/>
-              </a:defRPr>
-            </a:lvl7pPr>
-            <a:lvl8pPr marR="0" lvl="7" algn="l" rtl="0">
-              <a:lnSpc>
-                <a:spcPct val="90000"/>
-              </a:lnSpc>
-              <a:spcBef>
-                <a:spcPts val="500"/>
-              </a:spcBef>
-              <a:spcAft>
-                <a:spcPts val="0"/>
-              </a:spcAft>
-              <a:buClr>
-                <a:schemeClr val="dk1"/>
-              </a:buClr>
-              <a:buSzPts val="1700"/>
-              <a:buFont typeface="Arial"/>
-              <a:buNone/>
-              <a:defRPr sz="1700" b="0" i="0" u="none" strike="noStrike" cap="none">
-                <a:solidFill>
-                  <a:schemeClr val="dk1"/>
-                </a:solidFill>
-                <a:latin typeface="Calibri"/>
-                <a:ea typeface="Calibri"/>
-                <a:cs typeface="Calibri"/>
-                <a:sym typeface="Calibri"/>
-              </a:defRPr>
-            </a:lvl8pPr>
-            <a:lvl9pPr marR="0" lvl="8" algn="l" rtl="0">
-              <a:lnSpc>
-                <a:spcPct val="90000"/>
-              </a:lnSpc>
-              <a:spcBef>
-                <a:spcPts val="500"/>
-              </a:spcBef>
-              <a:spcAft>
-                <a:spcPts val="0"/>
-              </a:spcAft>
-              <a:buClr>
-                <a:schemeClr val="dk1"/>
-              </a:buClr>
-              <a:buSzPts val="1700"/>
-              <a:buFont typeface="Arial"/>
-              <a:buNone/>
-              <a:defRPr sz="1700" b="0" i="0" u="none" strike="noStrike" cap="none">
-                <a:solidFill>
-                  <a:schemeClr val="dk1"/>
-                </a:solidFill>
-                <a:latin typeface="Calibri"/>
-                <a:ea typeface="Calibri"/>
-                <a:cs typeface="Calibri"/>
-                <a:sym typeface="Calibri"/>
-              </a:defRPr>
-            </a:lvl9pPr>
-          </a:lstStyle>
-          <a:p>
-            <a:endParaRPr/>
-          </a:p>
-        </p:txBody>
-      </p:sp>
-      <p:sp>
-        <p:nvSpPr>
-          <p:cNvPr id="109" name="Google Shape;109;p22"/>
-          <p:cNvSpPr txBox="1">
-            <a:spLocks noGrp="1"/>
-          </p:cNvSpPr>
-          <p:nvPr>
-            <p:ph type="body" idx="1"/>
-          </p:nvPr>
-        </p:nvSpPr>
-        <p:spPr>
-          <a:xfrm>
-            <a:off x="629841" y="2057400"/>
-            <a:ext cx="2949000" cy="3811600"/>
-          </a:xfrm>
-          <a:prstGeom prst="rect">
-            <a:avLst/>
-          </a:prstGeom>
-          <a:noFill/>
-          <a:ln>
-            <a:noFill/>
-          </a:ln>
-        </p:spPr>
-        <p:txBody>
-          <a:bodyPr spcFirstLastPara="1" wrap="square" lIns="24250" tIns="12125" rIns="24250" bIns="12125" anchor="t" anchorCtr="0">
-            <a:noAutofit/>
-          </a:bodyPr>
-          <a:lstStyle>
-            <a:lvl1pPr marL="457189" lvl="0" indent="-228594" algn="l" rtl="0">
-              <a:lnSpc>
-                <a:spcPct val="90000"/>
-              </a:lnSpc>
-              <a:spcBef>
-                <a:spcPts val="800"/>
-              </a:spcBef>
-              <a:spcAft>
-                <a:spcPts val="0"/>
-              </a:spcAft>
-              <a:buClr>
-                <a:schemeClr val="dk1"/>
-              </a:buClr>
-              <a:buSzPts val="1400"/>
-              <a:buNone/>
-              <a:defRPr sz="1400"/>
-            </a:lvl1pPr>
-            <a:lvl2pPr marL="914378" lvl="1" indent="-228594" algn="l" rtl="0">
-              <a:lnSpc>
-                <a:spcPct val="90000"/>
-              </a:lnSpc>
-              <a:spcBef>
-                <a:spcPts val="500"/>
-              </a:spcBef>
-              <a:spcAft>
-                <a:spcPts val="0"/>
-              </a:spcAft>
-              <a:buClr>
-                <a:schemeClr val="dk1"/>
-              </a:buClr>
-              <a:buSzPts val="1200"/>
-              <a:buNone/>
-              <a:defRPr sz="1200"/>
-            </a:lvl2pPr>
-            <a:lvl3pPr marL="1371566" lvl="2" indent="-228594" algn="l" rtl="0">
-              <a:lnSpc>
-                <a:spcPct val="90000"/>
-              </a:lnSpc>
-              <a:spcBef>
-                <a:spcPts val="500"/>
-              </a:spcBef>
-              <a:spcAft>
-                <a:spcPts val="0"/>
-              </a:spcAft>
-              <a:buClr>
-                <a:schemeClr val="dk1"/>
-              </a:buClr>
-              <a:buSzPts val="1000"/>
-              <a:buNone/>
-              <a:defRPr sz="1000"/>
-            </a:lvl3pPr>
-            <a:lvl4pPr marL="1828754" lvl="3" indent="-228594" algn="l" rtl="0">
-              <a:lnSpc>
-                <a:spcPct val="90000"/>
-              </a:lnSpc>
-              <a:spcBef>
-                <a:spcPts val="500"/>
-              </a:spcBef>
-              <a:spcAft>
-                <a:spcPts val="0"/>
-              </a:spcAft>
-              <a:buClr>
-                <a:schemeClr val="dk1"/>
-              </a:buClr>
-              <a:buSzPts val="800"/>
-              <a:buNone/>
-              <a:defRPr sz="800"/>
-            </a:lvl4pPr>
-            <a:lvl5pPr marL="2285943" lvl="4" indent="-228594" algn="l" rtl="0">
-              <a:lnSpc>
-                <a:spcPct val="90000"/>
-              </a:lnSpc>
-              <a:spcBef>
-                <a:spcPts val="500"/>
-              </a:spcBef>
-              <a:spcAft>
-                <a:spcPts val="0"/>
-              </a:spcAft>
-              <a:buClr>
-                <a:schemeClr val="dk1"/>
-              </a:buClr>
-              <a:buSzPts val="800"/>
-              <a:buNone/>
-              <a:defRPr sz="800"/>
-            </a:lvl5pPr>
-            <a:lvl6pPr marL="2743132" lvl="5" indent="-228594" algn="l" rtl="0">
-              <a:lnSpc>
-                <a:spcPct val="90000"/>
-              </a:lnSpc>
-              <a:spcBef>
-                <a:spcPts val="500"/>
-              </a:spcBef>
-              <a:spcAft>
-                <a:spcPts val="0"/>
-              </a:spcAft>
-              <a:buClr>
-                <a:schemeClr val="dk1"/>
-              </a:buClr>
-              <a:buSzPts val="800"/>
-              <a:buNone/>
-              <a:defRPr sz="800"/>
-            </a:lvl6pPr>
-            <a:lvl7pPr marL="3200320" lvl="6" indent="-228594" algn="l" rtl="0">
-              <a:lnSpc>
-                <a:spcPct val="90000"/>
-              </a:lnSpc>
-              <a:spcBef>
-                <a:spcPts val="500"/>
-              </a:spcBef>
-              <a:spcAft>
-                <a:spcPts val="0"/>
-              </a:spcAft>
-              <a:buClr>
-                <a:schemeClr val="dk1"/>
-              </a:buClr>
-              <a:buSzPts val="800"/>
-              <a:buNone/>
-              <a:defRPr sz="800"/>
-            </a:lvl7pPr>
-            <a:lvl8pPr marL="3657509" lvl="7" indent="-228594" algn="l" rtl="0">
-              <a:lnSpc>
-                <a:spcPct val="90000"/>
-              </a:lnSpc>
-              <a:spcBef>
-                <a:spcPts val="500"/>
-              </a:spcBef>
-              <a:spcAft>
-                <a:spcPts val="0"/>
-              </a:spcAft>
-              <a:buClr>
-                <a:schemeClr val="dk1"/>
-              </a:buClr>
-              <a:buSzPts val="800"/>
-              <a:buNone/>
-              <a:defRPr sz="800"/>
-            </a:lvl8pPr>
-            <a:lvl9pPr marL="4114697" lvl="8" indent="-228594" algn="l" rtl="0">
-              <a:lnSpc>
-                <a:spcPct val="90000"/>
-              </a:lnSpc>
-              <a:spcBef>
-                <a:spcPts val="500"/>
-              </a:spcBef>
-              <a:spcAft>
-                <a:spcPts val="0"/>
-              </a:spcAft>
-              <a:buClr>
-                <a:schemeClr val="dk1"/>
-              </a:buClr>
-              <a:buSzPts val="800"/>
-              <a:buNone/>
-              <a:defRPr sz="800"/>
-            </a:lvl9pPr>
-          </a:lstStyle>
-          <a:p>
-            <a:endParaRPr/>
-          </a:p>
-        </p:txBody>
-      </p:sp>
-      <p:sp>
-        <p:nvSpPr>
-          <p:cNvPr id="110" name="Google Shape;110;p22"/>
-          <p:cNvSpPr txBox="1">
-            <a:spLocks noGrp="1"/>
-          </p:cNvSpPr>
-          <p:nvPr>
-            <p:ph type="dt" idx="10"/>
-          </p:nvPr>
-        </p:nvSpPr>
-        <p:spPr>
-          <a:xfrm>
-            <a:off x="628650" y="6356352"/>
-            <a:ext cx="2057400" cy="365200"/>
-          </a:xfrm>
-          <a:prstGeom prst="rect">
-            <a:avLst/>
-          </a:prstGeom>
-          <a:noFill/>
-          <a:ln>
-            <a:noFill/>
-          </a:ln>
-        </p:spPr>
-        <p:txBody>
-          <a:bodyPr spcFirstLastPara="1" wrap="square" lIns="24250" tIns="12125" rIns="24250" bIns="12125" anchor="ctr" anchorCtr="0">
-            <a:noAutofit/>
-          </a:bodyPr>
-          <a:lstStyle>
-            <a:lvl1pPr lvl="0" algn="l" rtl="0">
-              <a:spcBef>
-                <a:spcPts val="0"/>
-              </a:spcBef>
-              <a:spcAft>
-                <a:spcPts val="0"/>
-              </a:spcAft>
-              <a:buSzPts val="400"/>
-              <a:buNone/>
-              <a:defRPr/>
-            </a:lvl1pPr>
-            <a:lvl2pPr lvl="1" algn="l" rtl="0">
-              <a:spcBef>
-                <a:spcPts val="0"/>
-              </a:spcBef>
-              <a:spcAft>
-                <a:spcPts val="0"/>
-              </a:spcAft>
-              <a:buSzPts val="400"/>
-              <a:buNone/>
-              <a:defRPr/>
-            </a:lvl2pPr>
-            <a:lvl3pPr lvl="2" algn="l" rtl="0">
-              <a:spcBef>
-                <a:spcPts val="0"/>
-              </a:spcBef>
-              <a:spcAft>
-                <a:spcPts val="0"/>
-              </a:spcAft>
-              <a:buSzPts val="400"/>
-              <a:buNone/>
-              <a:defRPr/>
-            </a:lvl3pPr>
-            <a:lvl4pPr lvl="3" algn="l" rtl="0">
-              <a:spcBef>
-                <a:spcPts val="0"/>
-              </a:spcBef>
-              <a:spcAft>
-                <a:spcPts val="0"/>
-              </a:spcAft>
-              <a:buSzPts val="400"/>
-              <a:buNone/>
-              <a:defRPr/>
-            </a:lvl4pPr>
-            <a:lvl5pPr lvl="4" algn="l" rtl="0">
-              <a:spcBef>
-                <a:spcPts val="0"/>
-              </a:spcBef>
-              <a:spcAft>
-                <a:spcPts val="0"/>
-              </a:spcAft>
-              <a:buSzPts val="400"/>
-              <a:buNone/>
-              <a:defRPr/>
-            </a:lvl5pPr>
-            <a:lvl6pPr lvl="5" algn="l" rtl="0">
-              <a:spcBef>
-                <a:spcPts val="0"/>
-              </a:spcBef>
-              <a:spcAft>
-                <a:spcPts val="0"/>
-              </a:spcAft>
-              <a:buSzPts val="400"/>
-              <a:buNone/>
-              <a:defRPr/>
-            </a:lvl6pPr>
-            <a:lvl7pPr lvl="6" algn="l" rtl="0">
-              <a:spcBef>
-                <a:spcPts val="0"/>
-              </a:spcBef>
-              <a:spcAft>
-                <a:spcPts val="0"/>
-              </a:spcAft>
-              <a:buSzPts val="400"/>
-              <a:buNone/>
-              <a:defRPr/>
-            </a:lvl7pPr>
-            <a:lvl8pPr lvl="7" algn="l" rtl="0">
-              <a:spcBef>
-                <a:spcPts val="0"/>
-              </a:spcBef>
-              <a:spcAft>
-                <a:spcPts val="0"/>
-              </a:spcAft>
-              <a:buSzPts val="400"/>
-              <a:buNone/>
-              <a:defRPr/>
-            </a:lvl8pPr>
-            <a:lvl9pPr lvl="8" algn="l" rtl="0">
-              <a:spcBef>
-                <a:spcPts val="0"/>
-              </a:spcBef>
-              <a:spcAft>
-                <a:spcPts val="0"/>
-              </a:spcAft>
-              <a:buSzPts val="400"/>
-              <a:buNone/>
-              <a:defRPr/>
-            </a:lvl9pPr>
-          </a:lstStyle>
-          <a:p>
-            <a:endParaRPr/>
-          </a:p>
-        </p:txBody>
-      </p:sp>
-      <p:sp>
-        <p:nvSpPr>
-          <p:cNvPr id="111" name="Google Shape;111;p22"/>
-          <p:cNvSpPr txBox="1">
-            <a:spLocks noGrp="1"/>
-          </p:cNvSpPr>
-          <p:nvPr>
-            <p:ph type="ftr" idx="11"/>
-          </p:nvPr>
-        </p:nvSpPr>
-        <p:spPr>
-          <a:xfrm>
-            <a:off x="3028950" y="6356352"/>
-            <a:ext cx="3086100" cy="365200"/>
-          </a:xfrm>
-          <a:prstGeom prst="rect">
-            <a:avLst/>
-          </a:prstGeom>
-          <a:noFill/>
-          <a:ln>
-            <a:noFill/>
-          </a:ln>
-        </p:spPr>
-        <p:txBody>
-          <a:bodyPr spcFirstLastPara="1" wrap="square" lIns="24250" tIns="12125" rIns="24250" bIns="12125" anchor="ctr" anchorCtr="0">
-            <a:noAutofit/>
-          </a:bodyPr>
-          <a:lstStyle>
-            <a:lvl1pPr lvl="0" algn="ctr" rtl="0">
-              <a:spcBef>
-                <a:spcPts val="0"/>
-              </a:spcBef>
-              <a:spcAft>
-                <a:spcPts val="0"/>
-              </a:spcAft>
-              <a:buSzPts val="400"/>
-              <a:buNone/>
-              <a:defRPr/>
-            </a:lvl1pPr>
-            <a:lvl2pPr lvl="1" algn="l" rtl="0">
-              <a:spcBef>
-                <a:spcPts val="0"/>
-              </a:spcBef>
-              <a:spcAft>
-                <a:spcPts val="0"/>
-              </a:spcAft>
-              <a:buSzPts val="400"/>
-              <a:buNone/>
-              <a:defRPr/>
-            </a:lvl2pPr>
-            <a:lvl3pPr lvl="2" algn="l" rtl="0">
-              <a:spcBef>
-                <a:spcPts val="0"/>
-              </a:spcBef>
-              <a:spcAft>
-                <a:spcPts val="0"/>
-              </a:spcAft>
-              <a:buSzPts val="400"/>
-              <a:buNone/>
-              <a:defRPr/>
-            </a:lvl3pPr>
-            <a:lvl4pPr lvl="3" algn="l" rtl="0">
-              <a:spcBef>
-                <a:spcPts val="0"/>
-              </a:spcBef>
-              <a:spcAft>
-                <a:spcPts val="0"/>
-              </a:spcAft>
-              <a:buSzPts val="400"/>
-              <a:buNone/>
-              <a:defRPr/>
-            </a:lvl4pPr>
-            <a:lvl5pPr lvl="4" algn="l" rtl="0">
-              <a:spcBef>
-                <a:spcPts val="0"/>
-              </a:spcBef>
-              <a:spcAft>
-                <a:spcPts val="0"/>
-              </a:spcAft>
-              <a:buSzPts val="400"/>
-              <a:buNone/>
-              <a:defRPr/>
-            </a:lvl5pPr>
-            <a:lvl6pPr lvl="5" algn="l" rtl="0">
-              <a:spcBef>
-                <a:spcPts val="0"/>
-              </a:spcBef>
-              <a:spcAft>
-                <a:spcPts val="0"/>
-              </a:spcAft>
-              <a:buSzPts val="400"/>
-              <a:buNone/>
-              <a:defRPr/>
-            </a:lvl6pPr>
-            <a:lvl7pPr lvl="6" algn="l" rtl="0">
-              <a:spcBef>
-                <a:spcPts val="0"/>
-              </a:spcBef>
-              <a:spcAft>
-                <a:spcPts val="0"/>
-              </a:spcAft>
-              <a:buSzPts val="400"/>
-              <a:buNone/>
-              <a:defRPr/>
-            </a:lvl7pPr>
-            <a:lvl8pPr lvl="7" algn="l" rtl="0">
-              <a:spcBef>
-                <a:spcPts val="0"/>
-              </a:spcBef>
-              <a:spcAft>
-                <a:spcPts val="0"/>
-              </a:spcAft>
-              <a:buSzPts val="400"/>
-              <a:buNone/>
-              <a:defRPr/>
-            </a:lvl8pPr>
-            <a:lvl9pPr lvl="8" algn="l" rtl="0">
-              <a:spcBef>
-                <a:spcPts val="0"/>
-              </a:spcBef>
-              <a:spcAft>
-                <a:spcPts val="0"/>
-              </a:spcAft>
-              <a:buSzPts val="400"/>
-              <a:buNone/>
-              <a:defRPr/>
-            </a:lvl9pPr>
-          </a:lstStyle>
-          <a:p>
-            <a:endParaRPr/>
-          </a:p>
-        </p:txBody>
-      </p:sp>
-      <p:sp>
-        <p:nvSpPr>
-          <p:cNvPr id="112" name="Google Shape;112;p22"/>
-          <p:cNvSpPr txBox="1">
-            <a:spLocks noGrp="1"/>
-          </p:cNvSpPr>
-          <p:nvPr>
-            <p:ph type="sldNum" idx="12"/>
-          </p:nvPr>
-        </p:nvSpPr>
-        <p:spPr>
-          <a:xfrm>
-            <a:off x="6457950" y="6356352"/>
-            <a:ext cx="2057400" cy="365200"/>
-          </a:xfrm>
-          <a:prstGeom prst="rect">
-            <a:avLst/>
-          </a:prstGeom>
-          <a:noFill/>
-          <a:ln>
-            <a:noFill/>
-          </a:ln>
-        </p:spPr>
-        <p:txBody>
-          <a:bodyPr spcFirstLastPara="1" wrap="square" lIns="24250" tIns="12125" rIns="24250" bIns="12125" anchor="ctr" anchorCtr="0">
-            <a:noAutofit/>
-          </a:bodyPr>
-          <a:lstStyle>
-            <a:lvl1pPr marL="0" lvl="0" indent="0" algn="r" rtl="0">
-              <a:spcBef>
-                <a:spcPts val="0"/>
-              </a:spcBef>
-              <a:buNone/>
-              <a:defRPr/>
-            </a:lvl1pPr>
-            <a:lvl2pPr marL="0" lvl="1" indent="0" algn="r" rtl="0">
-              <a:spcBef>
-                <a:spcPts val="0"/>
-              </a:spcBef>
-              <a:buNone/>
-              <a:defRPr/>
-            </a:lvl2pPr>
-            <a:lvl3pPr marL="0" lvl="2" indent="0" algn="r" rtl="0">
-              <a:spcBef>
-                <a:spcPts val="0"/>
-              </a:spcBef>
-              <a:buNone/>
-              <a:defRPr/>
-            </a:lvl3pPr>
-            <a:lvl4pPr marL="0" lvl="3" indent="0" algn="r" rtl="0">
-              <a:spcBef>
-                <a:spcPts val="0"/>
-              </a:spcBef>
-              <a:buNone/>
-              <a:defRPr/>
-            </a:lvl4pPr>
-            <a:lvl5pPr marL="0" lvl="4" indent="0" algn="r" rtl="0">
-              <a:spcBef>
-                <a:spcPts val="0"/>
-              </a:spcBef>
-              <a:buNone/>
-              <a:defRPr/>
-            </a:lvl5pPr>
-            <a:lvl6pPr marL="0" lvl="5" indent="0" algn="r" rtl="0">
-              <a:spcBef>
-                <a:spcPts val="0"/>
-              </a:spcBef>
-              <a:buNone/>
-              <a:defRPr/>
-            </a:lvl6pPr>
-            <a:lvl7pPr marL="0" lvl="6" indent="0" algn="r" rtl="0">
-              <a:spcBef>
-                <a:spcPts val="0"/>
-              </a:spcBef>
-              <a:buNone/>
-              <a:defRPr/>
-            </a:lvl7pPr>
-            <a:lvl8pPr marL="0" lvl="7" indent="0" algn="r" rtl="0">
-              <a:spcBef>
-                <a:spcPts val="0"/>
-              </a:spcBef>
-              <a:buNone/>
-              <a:defRPr/>
-            </a:lvl8pPr>
-            <a:lvl9pPr marL="0" lvl="8" indent="0" algn="r" rtl="0">
-              <a:spcBef>
-                <a:spcPts val="0"/>
-              </a:spcBef>
-              <a:buNone/>
-              <a:defRPr/>
-            </a:lvl9pPr>
-          </a:lstStyle>
-          <a:p>
-            <a:fld id="{00000000-1234-1234-1234-123412341234}" type="slidenum">
-              <a:rPr lang="en" smtClean="0"/>
-              <a:pPr/>
-              <a:t>‹#›</a:t>
-            </a:fld>
-            <a:endParaRPr lang="en"/>
-          </a:p>
-        </p:txBody>
-      </p:sp>
-    </p:spTree>
-  </p:cSld>
-  <p:clrMapOvr>
-    <a:masterClrMapping/>
-  </p:clrMapOvr>
-</p:sldLayout>
-</file>
-
-<file path=ppt/slideLayouts/slideLayout21.xml><?xml version="1.0" encoding="utf-8"?>
 <p:sldLayout xmlns:a="http://schemas.openxmlformats.org/drawingml/2006/main" xmlns:r="http://schemas.openxmlformats.org/officeDocument/2006/relationships" xmlns:p="http://schemas.openxmlformats.org/presentationml/2006/main" matchingName="Title and Vertical Text" type="vertTx">
   <p:cSld name="VERTICAL_TEXT">
     <p:spTree>
@@ -9799,7 +9080,7 @@
 </p:sldLayout>
 </file>
 
-<file path=ppt/slideLayouts/slideLayout22.xml><?xml version="1.0" encoding="utf-8"?>
+<file path=ppt/slideLayouts/slideLayout21.xml><?xml version="1.0" encoding="utf-8"?>
 <p:sldLayout xmlns:a="http://schemas.openxmlformats.org/drawingml/2006/main" xmlns:r="http://schemas.openxmlformats.org/officeDocument/2006/relationships" xmlns:p="http://schemas.openxmlformats.org/presentationml/2006/main" matchingName="Vertical Title and Text" type="vertTitleAndTx">
   <p:cSld name="VERTICAL_TITLE_AND_VERTICAL_TEXT">
     <p:spTree>
@@ -15143,16 +14424,15 @@
   <p:clrMap bg1="lt1" tx1="dk1" bg2="dk2" tx2="lt2" accent1="accent1" accent2="accent2" accent3="accent3" accent4="accent4" accent5="accent5" accent6="accent6" hlink="hlink" folHlink="folHlink"/>
   <p:sldLayoutIdLst>
     <p:sldLayoutId id="2147483659" r:id="rId1"/>
-    <p:sldLayoutId id="2147483660" r:id="rId2"/>
-    <p:sldLayoutId id="2147483661" r:id="rId3"/>
-    <p:sldLayoutId id="2147483662" r:id="rId4"/>
-    <p:sldLayoutId id="2147483663" r:id="rId5"/>
-    <p:sldLayoutId id="2147483664" r:id="rId6"/>
-    <p:sldLayoutId id="2147483665" r:id="rId7"/>
-    <p:sldLayoutId id="2147483666" r:id="rId8"/>
-    <p:sldLayoutId id="2147483667" r:id="rId9"/>
-    <p:sldLayoutId id="2147483668" r:id="rId10"/>
-    <p:sldLayoutId id="2147483669" r:id="rId11"/>
+    <p:sldLayoutId id="2147483661" r:id="rId2"/>
+    <p:sldLayoutId id="2147483662" r:id="rId3"/>
+    <p:sldLayoutId id="2147483663" r:id="rId4"/>
+    <p:sldLayoutId id="2147483664" r:id="rId5"/>
+    <p:sldLayoutId id="2147483665" r:id="rId6"/>
+    <p:sldLayoutId id="2147483666" r:id="rId7"/>
+    <p:sldLayoutId id="2147483667" r:id="rId8"/>
+    <p:sldLayoutId id="2147483668" r:id="rId9"/>
+    <p:sldLayoutId id="2147483669" r:id="rId10"/>
   </p:sldLayoutIdLst>
   <p:hf sldNum="0" hdr="0" ftr="0" dt="0"/>
   <p:txStyles>
@@ -16237,7 +15517,7 @@
                   <a:cs typeface="Open Sans"/>
                   <a:sym typeface="Open Sans"/>
                 </a:rPr>
-                <a:t>Just as graph structured data poses challenges to traditional ML methods, new explainability methods are required to reason about graph structured data [1].</a:t>
+                <a:t>Just as graph structured data poses challenges to traditional ML methods, new explainability methods are required to reason about graph structured data.</a:t>
               </a:r>
             </a:p>
             <a:p>
@@ -16400,7 +15680,7 @@
         </p:nvGrpSpPr>
         <p:grpSpPr>
           <a:xfrm>
-            <a:off x="6073777" y="2701549"/>
+            <a:off x="6097585" y="4406719"/>
             <a:ext cx="2752665" cy="1139154"/>
             <a:chOff x="134037" y="3138261"/>
             <a:chExt cx="2752665" cy="1139154"/>
@@ -16552,7 +15832,7 @@
                   <a:cs typeface="Open Sans" panose="020B0606030504020204" pitchFamily="34" charset="0"/>
                   <a:sym typeface="Calibri"/>
                 </a:rPr>
-                <a:t>&gt; Modified GNNExplainer and SubgraphX algorithms outperform the Embedding baseline</a:t>
+                <a:t>&gt; Modified GNNExplainer and SubgraphX algorithms outperform the Embedding baseline.</a:t>
               </a:r>
               <a:endParaRPr lang="en-US" sz="700" b="0" i="0" u="none" strike="noStrike" cap="none" dirty="0">
                 <a:solidFill>
@@ -16580,7 +15860,7 @@
                   <a:cs typeface="Open Sans" panose="020B0606030504020204" pitchFamily="34" charset="0"/>
                   <a:sym typeface="Calibri"/>
                 </a:rPr>
-                <a:t>&gt; GNNExplainer has the best combination of inference time and explanation fidelity among methods tested.</a:t>
+                <a:t>&gt; Modified GNNExplainer has the best combination of inference time and fidelity among methods tested.</a:t>
               </a:r>
             </a:p>
             <a:p>
@@ -16604,782 +15884,6 @@
       </p:grpSp>
       <p:grpSp>
         <p:nvGrpSpPr>
-          <p:cNvPr id="153" name="Google Shape;153;p25"/>
-          <p:cNvGrpSpPr/>
-          <p:nvPr/>
-        </p:nvGrpSpPr>
-        <p:grpSpPr>
-          <a:xfrm>
-            <a:off x="6032285" y="4991197"/>
-            <a:ext cx="2746998" cy="1625550"/>
-            <a:chOff x="426685" y="2133484"/>
-            <a:chExt cx="2797921" cy="3082779"/>
-          </a:xfrm>
-        </p:grpSpPr>
-        <p:grpSp>
-          <p:nvGrpSpPr>
-            <p:cNvPr id="154" name="Google Shape;154;p25"/>
-            <p:cNvGrpSpPr/>
-            <p:nvPr/>
-          </p:nvGrpSpPr>
-          <p:grpSpPr>
-            <a:xfrm>
-              <a:off x="426685" y="2133484"/>
-              <a:ext cx="2754900" cy="401896"/>
-              <a:chOff x="3523972" y="4475959"/>
-              <a:chExt cx="2754900" cy="401896"/>
-            </a:xfrm>
-          </p:grpSpPr>
-          <p:sp>
-            <p:nvSpPr>
-              <p:cNvPr id="155" name="Google Shape;155;p25" descr="Section Header and gold boundless bar"/>
-              <p:cNvSpPr txBox="1"/>
-              <p:nvPr/>
-            </p:nvSpPr>
-            <p:spPr>
-              <a:xfrm>
-                <a:off x="3523972" y="4475959"/>
-                <a:ext cx="2754900" cy="314700"/>
-              </a:xfrm>
-              <a:prstGeom prst="rect">
-                <a:avLst/>
-              </a:prstGeom>
-              <a:noFill/>
-              <a:ln>
-                <a:noFill/>
-              </a:ln>
-            </p:spPr>
-            <p:txBody>
-              <a:bodyPr spcFirstLastPara="1" wrap="square" lIns="24250" tIns="12125" rIns="24250" bIns="12125" anchor="t" anchorCtr="0">
-                <a:noAutofit/>
-              </a:bodyPr>
-              <a:lstStyle/>
-              <a:p>
-                <a:r>
-                  <a:rPr lang="en" sz="1000" b="1" dirty="0">
-                    <a:solidFill>
-                      <a:srgbClr val="002060"/>
-                    </a:solidFill>
-                    <a:latin typeface="Encode Sans Condensed Thin"/>
-                    <a:ea typeface="Encode Sans Condensed Thin"/>
-                    <a:cs typeface="Encode Sans Condensed Thin"/>
-                    <a:sym typeface="Encode Sans Condensed Thin"/>
-                  </a:rPr>
-                  <a:t>REFERENCES</a:t>
-                </a:r>
-                <a:endParaRPr sz="1000" b="1" dirty="0">
-                  <a:solidFill>
-                    <a:srgbClr val="002060"/>
-                  </a:solidFill>
-                  <a:latin typeface="Encode Sans Condensed Thin"/>
-                  <a:ea typeface="Encode Sans Condensed Thin"/>
-                  <a:cs typeface="Encode Sans Condensed Thin"/>
-                  <a:sym typeface="Encode Sans Condensed Thin"/>
-                </a:endParaRPr>
-              </a:p>
-            </p:txBody>
-          </p:sp>
-          <p:pic>
-            <p:nvPicPr>
-              <p:cNvPr id="156" name="Google Shape;156;p25" descr="Gold boundless bar"/>
-              <p:cNvPicPr preferRelativeResize="0"/>
-              <p:nvPr/>
-            </p:nvPicPr>
-            <p:blipFill rotWithShape="1">
-              <a:blip r:embed="rId3">
-                <a:alphaModFix/>
-              </a:blip>
-              <a:srcRect/>
-              <a:stretch/>
-            </p:blipFill>
-            <p:spPr>
-              <a:xfrm>
-                <a:off x="3560854" y="4827738"/>
-                <a:ext cx="552758" cy="50118"/>
-              </a:xfrm>
-              <a:prstGeom prst="rect">
-                <a:avLst/>
-              </a:prstGeom>
-              <a:noFill/>
-              <a:ln>
-                <a:noFill/>
-              </a:ln>
-            </p:spPr>
-          </p:pic>
-        </p:grpSp>
-        <p:sp>
-          <p:nvSpPr>
-            <p:cNvPr id="157" name="Google Shape;157;p25"/>
-            <p:cNvSpPr txBox="1"/>
-            <p:nvPr/>
-          </p:nvSpPr>
-          <p:spPr>
-            <a:xfrm>
-              <a:off x="470006" y="2681278"/>
-              <a:ext cx="2754600" cy="2534985"/>
-            </a:xfrm>
-            <a:prstGeom prst="rect">
-              <a:avLst/>
-            </a:prstGeom>
-            <a:noFill/>
-            <a:ln>
-              <a:noFill/>
-            </a:ln>
-          </p:spPr>
-          <p:txBody>
-            <a:bodyPr spcFirstLastPara="1" wrap="square" lIns="24250" tIns="12125" rIns="24250" bIns="12125" anchor="t" anchorCtr="0">
-              <a:noAutofit/>
-            </a:bodyPr>
-            <a:lstStyle/>
-            <a:p>
-              <a:pPr marL="0" marR="0" lvl="0" indent="0" algn="l" rtl="0">
-                <a:lnSpc>
-                  <a:spcPct val="100000"/>
-                </a:lnSpc>
-                <a:spcBef>
-                  <a:spcPts val="0"/>
-                </a:spcBef>
-                <a:spcAft>
-                  <a:spcPts val="0"/>
-                </a:spcAft>
-                <a:buNone/>
-              </a:pPr>
-              <a:r>
-                <a:rPr lang="en-US" sz="500" dirty="0">
-                  <a:latin typeface="Open Sans"/>
-                  <a:ea typeface="Open Sans"/>
-                  <a:cs typeface="Open Sans"/>
-                  <a:sym typeface="Open Sans"/>
-                </a:rPr>
-                <a:t>[1] </a:t>
-              </a:r>
-              <a:r>
-                <a:rPr lang="en-US" sz="500" dirty="0">
-                  <a:latin typeface="Open Sans"/>
-                  <a:ea typeface="Open Sans"/>
-                  <a:cs typeface="Open Sans"/>
-                </a:rPr>
-                <a:t>Hao Yuan, Haiyang Yu, </a:t>
-              </a:r>
-              <a:r>
-                <a:rPr lang="en-US" sz="500" dirty="0" err="1">
-                  <a:latin typeface="Open Sans"/>
-                  <a:ea typeface="Open Sans"/>
-                  <a:cs typeface="Open Sans"/>
-                </a:rPr>
-                <a:t>Shurui</a:t>
-              </a:r>
-              <a:r>
-                <a:rPr lang="en-US" sz="500" dirty="0">
-                  <a:latin typeface="Open Sans"/>
-                  <a:ea typeface="Open Sans"/>
-                  <a:cs typeface="Open Sans"/>
-                </a:rPr>
-                <a:t> </a:t>
-              </a:r>
-              <a:r>
-                <a:rPr lang="en-US" sz="500" dirty="0" err="1">
-                  <a:latin typeface="Open Sans"/>
-                  <a:ea typeface="Open Sans"/>
-                  <a:cs typeface="Open Sans"/>
-                </a:rPr>
-                <a:t>Gui</a:t>
-              </a:r>
-              <a:r>
-                <a:rPr lang="en-US" sz="500" dirty="0">
-                  <a:latin typeface="Open Sans"/>
-                  <a:ea typeface="Open Sans"/>
-                  <a:cs typeface="Open Sans"/>
-                </a:rPr>
-                <a:t>, and </a:t>
-              </a:r>
-              <a:r>
-                <a:rPr lang="en-US" sz="500" dirty="0" err="1">
-                  <a:latin typeface="Open Sans"/>
-                  <a:ea typeface="Open Sans"/>
-                  <a:cs typeface="Open Sans"/>
-                </a:rPr>
-                <a:t>Shuiwang</a:t>
-              </a:r>
-              <a:r>
-                <a:rPr lang="en-US" sz="500" dirty="0">
-                  <a:latin typeface="Open Sans"/>
-                  <a:ea typeface="Open Sans"/>
-                  <a:cs typeface="Open Sans"/>
-                </a:rPr>
-                <a:t> Ji. Explainability in graph neural networks: A taxonomic survey. IEEE Transactions on Pattern Analysis and Machine</a:t>
-              </a:r>
-              <a:br>
-                <a:rPr lang="en-US" sz="500" dirty="0">
-                  <a:latin typeface="Open Sans"/>
-                  <a:ea typeface="Open Sans"/>
-                  <a:cs typeface="Open Sans"/>
-                </a:rPr>
-              </a:br>
-              <a:r>
-                <a:rPr lang="en-US" sz="500" dirty="0">
-                  <a:latin typeface="Open Sans"/>
-                  <a:ea typeface="Open Sans"/>
-                  <a:cs typeface="Open Sans"/>
-                </a:rPr>
-                <a:t>Intelligence, pages 1–19, 2022.</a:t>
-              </a:r>
-            </a:p>
-            <a:p>
-              <a:pPr algn="l" rtl="0"/>
-              <a:r>
-                <a:rPr lang="en-US" sz="500" dirty="0">
-                  <a:latin typeface="Open Sans"/>
-                  <a:ea typeface="Open Sans"/>
-                  <a:cs typeface="Open Sans"/>
-                </a:rPr>
-                <a:t>[2] </a:t>
-              </a:r>
-              <a:r>
-                <a:rPr lang="en-US" sz="500" dirty="0" err="1">
-                  <a:latin typeface="Open Sans"/>
-                  <a:ea typeface="Open Sans"/>
-                  <a:cs typeface="Open Sans"/>
-                </a:rPr>
-                <a:t>Zhitao</a:t>
-              </a:r>
-              <a:r>
-                <a:rPr lang="en-US" sz="500" dirty="0">
-                  <a:latin typeface="Open Sans"/>
-                  <a:ea typeface="Open Sans"/>
-                  <a:cs typeface="Open Sans"/>
-                </a:rPr>
-                <a:t> Ying, Dylan Bourgeois, </a:t>
-              </a:r>
-              <a:r>
-                <a:rPr lang="en-US" sz="500" dirty="0" err="1">
-                  <a:latin typeface="Open Sans"/>
-                  <a:ea typeface="Open Sans"/>
-                  <a:cs typeface="Open Sans"/>
-                </a:rPr>
-                <a:t>Jiaxuan</a:t>
-              </a:r>
-              <a:r>
-                <a:rPr lang="en-US" sz="500" dirty="0">
-                  <a:latin typeface="Open Sans"/>
-                  <a:ea typeface="Open Sans"/>
-                  <a:cs typeface="Open Sans"/>
-                </a:rPr>
-                <a:t> You, Marinka </a:t>
-              </a:r>
-              <a:r>
-                <a:rPr lang="en-US" sz="500" dirty="0" err="1">
-                  <a:latin typeface="Open Sans"/>
-                  <a:ea typeface="Open Sans"/>
-                  <a:cs typeface="Open Sans"/>
-                </a:rPr>
-                <a:t>Zitnik</a:t>
-              </a:r>
-              <a:r>
-                <a:rPr lang="en-US" sz="500" dirty="0">
-                  <a:latin typeface="Open Sans"/>
-                  <a:ea typeface="Open Sans"/>
-                  <a:cs typeface="Open Sans"/>
-                </a:rPr>
-                <a:t>, and Jure </a:t>
-              </a:r>
-              <a:r>
-                <a:rPr lang="en-US" sz="500" dirty="0" err="1">
-                  <a:latin typeface="Open Sans"/>
-                  <a:ea typeface="Open Sans"/>
-                  <a:cs typeface="Open Sans"/>
-                </a:rPr>
-                <a:t>Leskovec</a:t>
-              </a:r>
-              <a:r>
-                <a:rPr lang="en-US" sz="500" dirty="0">
-                  <a:latin typeface="Open Sans"/>
-                  <a:ea typeface="Open Sans"/>
-                  <a:cs typeface="Open Sans"/>
-                </a:rPr>
-                <a:t>.</a:t>
-              </a:r>
-              <a:br>
-                <a:rPr lang="en-US" sz="500" dirty="0">
-                  <a:latin typeface="Open Sans"/>
-                  <a:ea typeface="Open Sans"/>
-                  <a:cs typeface="Open Sans"/>
-                </a:rPr>
-              </a:br>
-              <a:r>
-                <a:rPr lang="en-US" sz="500" dirty="0" err="1">
-                  <a:latin typeface="Open Sans"/>
-                  <a:ea typeface="Open Sans"/>
-                  <a:cs typeface="Open Sans"/>
-                </a:rPr>
-                <a:t>Gnnexplainer</a:t>
-              </a:r>
-              <a:r>
-                <a:rPr lang="en-US" sz="500" dirty="0">
-                  <a:latin typeface="Open Sans"/>
-                  <a:ea typeface="Open Sans"/>
-                  <a:cs typeface="Open Sans"/>
-                </a:rPr>
-                <a:t>: Generating explanations for graph neural networks. In Advances in neural information processing systems, volume 32. Curran Associates, Inc., 2019.</a:t>
-              </a:r>
-            </a:p>
-            <a:p>
-              <a:pPr algn="l" rtl="0"/>
-              <a:r>
-                <a:rPr lang="en-US" sz="500" dirty="0">
-                  <a:latin typeface="Open Sans"/>
-                  <a:ea typeface="Open Sans"/>
-                  <a:cs typeface="Open Sans"/>
-                </a:rPr>
-                <a:t>[3] Hao Yuan, Haiyang Yu, </a:t>
-              </a:r>
-              <a:r>
-                <a:rPr lang="en-US" sz="500" dirty="0" err="1">
-                  <a:latin typeface="Open Sans"/>
-                  <a:ea typeface="Open Sans"/>
-                  <a:cs typeface="Open Sans"/>
-                </a:rPr>
-                <a:t>Jie</a:t>
-              </a:r>
-              <a:r>
-                <a:rPr lang="en-US" sz="500" dirty="0">
-                  <a:latin typeface="Open Sans"/>
-                  <a:ea typeface="Open Sans"/>
-                  <a:cs typeface="Open Sans"/>
-                </a:rPr>
-                <a:t> Wang, Kang Li, and </a:t>
-              </a:r>
-              <a:r>
-                <a:rPr lang="en-US" sz="500" dirty="0" err="1">
-                  <a:latin typeface="Open Sans"/>
-                  <a:ea typeface="Open Sans"/>
-                  <a:cs typeface="Open Sans"/>
-                </a:rPr>
-                <a:t>Shuiwang</a:t>
-              </a:r>
-              <a:r>
-                <a:rPr lang="en-US" sz="500" dirty="0">
-                  <a:latin typeface="Open Sans"/>
-                  <a:ea typeface="Open Sans"/>
-                  <a:cs typeface="Open Sans"/>
-                </a:rPr>
-                <a:t> Ji. On explainability of graph</a:t>
-              </a:r>
-              <a:br>
-                <a:rPr lang="en-US" sz="500" dirty="0">
-                  <a:latin typeface="Open Sans"/>
-                  <a:ea typeface="Open Sans"/>
-                  <a:cs typeface="Open Sans"/>
-                </a:rPr>
-              </a:br>
-              <a:r>
-                <a:rPr lang="en-US" sz="500" dirty="0">
-                  <a:latin typeface="Open Sans"/>
-                  <a:ea typeface="Open Sans"/>
-                  <a:cs typeface="Open Sans"/>
-                </a:rPr>
-                <a:t>neural networks via subgraph explorations. In International Conference on Machine</a:t>
-              </a:r>
-              <a:br>
-                <a:rPr lang="en-US" sz="500" dirty="0">
-                  <a:latin typeface="Open Sans"/>
-                  <a:ea typeface="Open Sans"/>
-                  <a:cs typeface="Open Sans"/>
-                </a:rPr>
-              </a:br>
-              <a:r>
-                <a:rPr lang="en-US" sz="500" dirty="0">
-                  <a:latin typeface="Open Sans"/>
-                  <a:ea typeface="Open Sans"/>
-                  <a:cs typeface="Open Sans"/>
-                </a:rPr>
-                <a:t>Learning, pages 12241–12252. PMLR, 2021.</a:t>
-              </a:r>
-            </a:p>
-            <a:p>
-              <a:pPr algn="l" rtl="0"/>
-              <a:r>
-                <a:rPr lang="en-US" sz="500" dirty="0">
-                  <a:latin typeface="Open Sans"/>
-                  <a:ea typeface="Open Sans"/>
-                  <a:cs typeface="Open Sans"/>
-                </a:rPr>
-                <a:t>[4] </a:t>
-              </a:r>
-              <a:r>
-                <a:rPr lang="en-US" sz="500" dirty="0" err="1">
-                  <a:latin typeface="Open Sans"/>
-                  <a:ea typeface="Open Sans"/>
-                  <a:cs typeface="Open Sans"/>
-                </a:rPr>
-                <a:t>Kenza</a:t>
-              </a:r>
-              <a:r>
-                <a:rPr lang="en-US" sz="500" dirty="0">
-                  <a:latin typeface="Open Sans"/>
-                  <a:ea typeface="Open Sans"/>
-                  <a:cs typeface="Open Sans"/>
-                </a:rPr>
-                <a:t> Amara, Rex Ying, </a:t>
-              </a:r>
-              <a:r>
-                <a:rPr lang="en-US" sz="500" dirty="0" err="1">
-                  <a:latin typeface="Open Sans"/>
-                  <a:ea typeface="Open Sans"/>
-                  <a:cs typeface="Open Sans"/>
-                </a:rPr>
-                <a:t>Zitao</a:t>
-              </a:r>
-              <a:r>
-                <a:rPr lang="en-US" sz="500" dirty="0">
-                  <a:latin typeface="Open Sans"/>
-                  <a:ea typeface="Open Sans"/>
-                  <a:cs typeface="Open Sans"/>
-                </a:rPr>
-                <a:t> Zhang, </a:t>
-              </a:r>
-              <a:r>
-                <a:rPr lang="en-US" sz="500" dirty="0" err="1">
-                  <a:latin typeface="Open Sans"/>
-                  <a:ea typeface="Open Sans"/>
-                  <a:cs typeface="Open Sans"/>
-                </a:rPr>
-                <a:t>Zhihao</a:t>
-              </a:r>
-              <a:r>
-                <a:rPr lang="en-US" sz="500" dirty="0">
-                  <a:latin typeface="Open Sans"/>
-                  <a:ea typeface="Open Sans"/>
-                  <a:cs typeface="Open Sans"/>
-                </a:rPr>
-                <a:t> Han, Yinan Shan, </a:t>
-              </a:r>
-              <a:r>
-                <a:rPr lang="en-US" sz="500" dirty="0" err="1">
-                  <a:latin typeface="Open Sans"/>
-                  <a:ea typeface="Open Sans"/>
-                  <a:cs typeface="Open Sans"/>
-                </a:rPr>
-                <a:t>Ulrik</a:t>
-              </a:r>
-              <a:r>
-                <a:rPr lang="en-US" sz="500" dirty="0">
-                  <a:latin typeface="Open Sans"/>
-                  <a:ea typeface="Open Sans"/>
-                  <a:cs typeface="Open Sans"/>
-                </a:rPr>
-                <a:t> </a:t>
-              </a:r>
-              <a:r>
-                <a:rPr lang="en-US" sz="500" dirty="0" err="1">
-                  <a:latin typeface="Open Sans"/>
-                  <a:ea typeface="Open Sans"/>
-                  <a:cs typeface="Open Sans"/>
-                </a:rPr>
-                <a:t>Brandes</a:t>
-              </a:r>
-              <a:r>
-                <a:rPr lang="en-US" sz="500" dirty="0">
-                  <a:latin typeface="Open Sans"/>
-                  <a:ea typeface="Open Sans"/>
-                  <a:cs typeface="Open Sans"/>
-                </a:rPr>
-                <a:t>, </a:t>
-              </a:r>
-              <a:r>
-                <a:rPr lang="en-US" sz="500" dirty="0" err="1">
-                  <a:latin typeface="Open Sans"/>
-                  <a:ea typeface="Open Sans"/>
-                  <a:cs typeface="Open Sans"/>
-                </a:rPr>
-                <a:t>Sebas</a:t>
-              </a:r>
-              <a:r>
-                <a:rPr lang="en-US" sz="500" dirty="0">
-                  <a:latin typeface="Open Sans"/>
-                  <a:ea typeface="Open Sans"/>
-                  <a:cs typeface="Open Sans"/>
-                </a:rPr>
-                <a:t>-</a:t>
-              </a:r>
-              <a:br>
-                <a:rPr lang="en-US" sz="500" dirty="0">
-                  <a:latin typeface="Open Sans"/>
-                  <a:ea typeface="Open Sans"/>
-                  <a:cs typeface="Open Sans"/>
-                </a:rPr>
-              </a:br>
-              <a:r>
-                <a:rPr lang="en-US" sz="500" dirty="0">
-                  <a:latin typeface="Open Sans"/>
-                  <a:ea typeface="Open Sans"/>
-                  <a:cs typeface="Open Sans"/>
-                </a:rPr>
-                <a:t>tian </a:t>
-              </a:r>
-              <a:r>
-                <a:rPr lang="en-US" sz="500" dirty="0" err="1">
-                  <a:latin typeface="Open Sans"/>
-                  <a:ea typeface="Open Sans"/>
-                  <a:cs typeface="Open Sans"/>
-                </a:rPr>
-                <a:t>Schemm</a:t>
-              </a:r>
-              <a:r>
-                <a:rPr lang="en-US" sz="500" dirty="0">
-                  <a:latin typeface="Open Sans"/>
-                  <a:ea typeface="Open Sans"/>
-                  <a:cs typeface="Open Sans"/>
-                </a:rPr>
-                <a:t>, and Ce Zhang. </a:t>
-              </a:r>
-              <a:r>
-                <a:rPr lang="en-US" sz="500" dirty="0" err="1">
-                  <a:latin typeface="Open Sans"/>
-                  <a:ea typeface="Open Sans"/>
-                  <a:cs typeface="Open Sans"/>
-                </a:rPr>
-                <a:t>Graphframex</a:t>
-              </a:r>
-              <a:r>
-                <a:rPr lang="en-US" sz="500" dirty="0">
-                  <a:latin typeface="Open Sans"/>
-                  <a:ea typeface="Open Sans"/>
-                  <a:cs typeface="Open Sans"/>
-                </a:rPr>
-                <a:t>: Towards systematic evaluation of explain-</a:t>
-              </a:r>
-              <a:br>
-                <a:rPr lang="en-US" sz="500" dirty="0">
-                  <a:latin typeface="Open Sans"/>
-                  <a:ea typeface="Open Sans"/>
-                  <a:cs typeface="Open Sans"/>
-                </a:rPr>
-              </a:br>
-              <a:r>
-                <a:rPr lang="en-US" sz="500" dirty="0">
-                  <a:latin typeface="Open Sans"/>
-                  <a:ea typeface="Open Sans"/>
-                  <a:cs typeface="Open Sans"/>
-                </a:rPr>
-                <a:t>ability methods for graph neural networks. </a:t>
-              </a:r>
-              <a:r>
-                <a:rPr lang="en-US" sz="500" dirty="0" err="1">
-                  <a:latin typeface="Open Sans"/>
-                  <a:ea typeface="Open Sans"/>
-                  <a:cs typeface="Open Sans"/>
-                </a:rPr>
-                <a:t>arXiv</a:t>
-              </a:r>
-              <a:r>
-                <a:rPr lang="en-US" sz="500" dirty="0">
-                  <a:latin typeface="Open Sans"/>
-                  <a:ea typeface="Open Sans"/>
-                  <a:cs typeface="Open Sans"/>
-                </a:rPr>
-                <a:t> preprint arXiv:2206.09677, 2022.</a:t>
-              </a:r>
-            </a:p>
-            <a:p>
-              <a:pPr algn="l" rtl="0"/>
-              <a:r>
-                <a:rPr lang="en-US" sz="500" dirty="0">
-                  <a:latin typeface="Open Sans"/>
-                  <a:ea typeface="Open Sans"/>
-                  <a:cs typeface="Open Sans"/>
-                </a:rPr>
-                <a:t>[5] Jure </a:t>
-              </a:r>
-              <a:r>
-                <a:rPr lang="en-US" sz="500" dirty="0" err="1">
-                  <a:latin typeface="Open Sans"/>
-                  <a:ea typeface="Open Sans"/>
-                  <a:cs typeface="Open Sans"/>
-                </a:rPr>
-                <a:t>Leskovec</a:t>
-              </a:r>
-              <a:r>
-                <a:rPr lang="en-US" sz="500" dirty="0">
-                  <a:latin typeface="Open Sans"/>
-                  <a:ea typeface="Open Sans"/>
-                  <a:cs typeface="Open Sans"/>
-                </a:rPr>
-                <a:t> and Julian </a:t>
-              </a:r>
-              <a:r>
-                <a:rPr lang="en-US" sz="500" dirty="0" err="1">
-                  <a:latin typeface="Open Sans"/>
-                  <a:ea typeface="Open Sans"/>
-                  <a:cs typeface="Open Sans"/>
-                </a:rPr>
-                <a:t>Mcauley</a:t>
-              </a:r>
-              <a:r>
-                <a:rPr lang="en-US" sz="500" dirty="0">
-                  <a:latin typeface="Open Sans"/>
-                  <a:ea typeface="Open Sans"/>
-                  <a:cs typeface="Open Sans"/>
-                </a:rPr>
-                <a:t>. Learning to discover social circles in ego networks.</a:t>
-              </a:r>
-              <a:br>
-                <a:rPr lang="en-US" sz="500" dirty="0">
-                  <a:latin typeface="Open Sans"/>
-                  <a:ea typeface="Open Sans"/>
-                  <a:cs typeface="Open Sans"/>
-                </a:rPr>
-              </a:br>
-              <a:r>
-                <a:rPr lang="en-US" sz="500" dirty="0">
-                  <a:latin typeface="Open Sans"/>
-                  <a:ea typeface="Open Sans"/>
-                  <a:cs typeface="Open Sans"/>
-                </a:rPr>
-                <a:t>Advances in neural information processing systems, 25, 2012.</a:t>
-              </a:r>
-            </a:p>
-            <a:p>
-              <a:pPr algn="l" rtl="0"/>
-              <a:r>
-                <a:rPr lang="en-US" sz="500" dirty="0">
-                  <a:latin typeface="Open Sans"/>
-                  <a:ea typeface="Open Sans"/>
-                  <a:cs typeface="Open Sans"/>
-                </a:rPr>
-                <a:t>[6] </a:t>
-              </a:r>
-              <a:r>
-                <a:rPr lang="en-US" sz="500" dirty="0" err="1">
-                  <a:latin typeface="Open Sans"/>
-                  <a:ea typeface="Open Sans"/>
-                  <a:cs typeface="Open Sans"/>
-                </a:rPr>
-                <a:t>Xinyu</a:t>
-              </a:r>
-              <a:r>
-                <a:rPr lang="en-US" sz="500" dirty="0">
-                  <a:latin typeface="Open Sans"/>
-                  <a:ea typeface="Open Sans"/>
-                  <a:cs typeface="Open Sans"/>
-                </a:rPr>
-                <a:t> Fu, </a:t>
-              </a:r>
-              <a:r>
-                <a:rPr lang="en-US" sz="500" dirty="0" err="1">
-                  <a:latin typeface="Open Sans"/>
-                  <a:ea typeface="Open Sans"/>
-                  <a:cs typeface="Open Sans"/>
-                </a:rPr>
-                <a:t>Jiani</a:t>
-              </a:r>
-              <a:r>
-                <a:rPr lang="en-US" sz="500" dirty="0">
-                  <a:latin typeface="Open Sans"/>
-                  <a:ea typeface="Open Sans"/>
-                  <a:cs typeface="Open Sans"/>
-                </a:rPr>
-                <a:t> Zhang, </a:t>
-              </a:r>
-              <a:r>
-                <a:rPr lang="en-US" sz="500" dirty="0" err="1">
-                  <a:latin typeface="Open Sans"/>
-                  <a:ea typeface="Open Sans"/>
-                  <a:cs typeface="Open Sans"/>
-                </a:rPr>
-                <a:t>Ziqiao</a:t>
-              </a:r>
-              <a:r>
-                <a:rPr lang="en-US" sz="500" dirty="0">
-                  <a:latin typeface="Open Sans"/>
-                  <a:ea typeface="Open Sans"/>
-                  <a:cs typeface="Open Sans"/>
-                </a:rPr>
-                <a:t> Meng, and Irwin King. </a:t>
-              </a:r>
-              <a:r>
-                <a:rPr lang="en-US" sz="500" dirty="0" err="1">
-                  <a:latin typeface="Open Sans"/>
-                  <a:ea typeface="Open Sans"/>
-                  <a:cs typeface="Open Sans"/>
-                </a:rPr>
-                <a:t>Magnn</a:t>
-              </a:r>
-              <a:r>
-                <a:rPr lang="en-US" sz="500" dirty="0">
-                  <a:latin typeface="Open Sans"/>
-                  <a:ea typeface="Open Sans"/>
-                  <a:cs typeface="Open Sans"/>
-                </a:rPr>
-                <a:t>: </a:t>
-              </a:r>
-              <a:r>
-                <a:rPr lang="en-US" sz="500" dirty="0" err="1">
-                  <a:latin typeface="Open Sans"/>
-                  <a:ea typeface="Open Sans"/>
-                  <a:cs typeface="Open Sans"/>
-                </a:rPr>
-                <a:t>Metapath</a:t>
-              </a:r>
-              <a:r>
-                <a:rPr lang="en-US" sz="500" dirty="0">
-                  <a:latin typeface="Open Sans"/>
-                  <a:ea typeface="Open Sans"/>
-                  <a:cs typeface="Open Sans"/>
-                </a:rPr>
-                <a:t> aggregated</a:t>
-              </a:r>
-              <a:br>
-                <a:rPr lang="en-US" sz="500" dirty="0">
-                  <a:latin typeface="Open Sans"/>
-                  <a:ea typeface="Open Sans"/>
-                  <a:cs typeface="Open Sans"/>
-                </a:rPr>
-              </a:br>
-              <a:r>
-                <a:rPr lang="en-US" sz="500" dirty="0">
-                  <a:latin typeface="Open Sans"/>
-                  <a:ea typeface="Open Sans"/>
-                  <a:cs typeface="Open Sans"/>
-                </a:rPr>
-                <a:t>graph neural network for heterogeneous graph embedding. In Proceedings of The Web</a:t>
-              </a:r>
-              <a:br>
-                <a:rPr lang="en-US" sz="500" dirty="0">
-                  <a:latin typeface="Open Sans"/>
-                  <a:ea typeface="Open Sans"/>
-                  <a:cs typeface="Open Sans"/>
-                </a:rPr>
-              </a:br>
-              <a:r>
-                <a:rPr lang="en-US" sz="500" dirty="0">
-                  <a:latin typeface="Open Sans"/>
-                  <a:ea typeface="Open Sans"/>
-                  <a:cs typeface="Open Sans"/>
-                </a:rPr>
-                <a:t>Conference 2020, pages 2331–2341, 2020.</a:t>
-              </a:r>
-            </a:p>
-            <a:p>
-              <a:br>
-                <a:rPr lang="en-US" sz="500" dirty="0">
-                  <a:latin typeface="Open Sans"/>
-                  <a:ea typeface="Open Sans"/>
-                  <a:cs typeface="Open Sans"/>
-                </a:rPr>
-              </a:br>
-              <a:endParaRPr lang="en-US" sz="500" dirty="0">
-                <a:latin typeface="Open Sans"/>
-                <a:ea typeface="Open Sans"/>
-                <a:cs typeface="Open Sans"/>
-                <a:sym typeface="Open Sans"/>
-              </a:endParaRPr>
-            </a:p>
-          </p:txBody>
-        </p:sp>
-      </p:grpSp>
-      <p:grpSp>
-        <p:nvGrpSpPr>
           <p:cNvPr id="158" name="Google Shape;158;p25"/>
           <p:cNvGrpSpPr/>
           <p:nvPr/>
@@ -17387,9 +15891,9 @@
         <p:grpSpPr>
           <a:xfrm>
             <a:off x="3091500" y="1313287"/>
-            <a:ext cx="2746998" cy="3397028"/>
+            <a:ext cx="2746998" cy="5339187"/>
             <a:chOff x="426685" y="2133484"/>
-            <a:chExt cx="2797921" cy="6442304"/>
+            <a:chExt cx="2797921" cy="10125517"/>
           </a:xfrm>
         </p:grpSpPr>
         <p:grpSp>
@@ -17441,7 +15945,7 @@
                     <a:cs typeface="Encode Sans Condensed Thin"/>
                     <a:sym typeface="Encode Sans Condensed Thin"/>
                   </a:rPr>
-                  <a:t>EXPERIMENT</a:t>
+                  <a:t>EXPERIMENTS</a:t>
                 </a:r>
                 <a:endParaRPr sz="1000" b="1" dirty="0">
                   <a:solidFill>
@@ -17492,7 +15996,7 @@
           <p:spPr>
             <a:xfrm>
               <a:off x="470006" y="2681276"/>
-              <a:ext cx="2754600" cy="5894512"/>
+              <a:ext cx="2754600" cy="9577725"/>
             </a:xfrm>
             <a:prstGeom prst="rect">
               <a:avLst/>
@@ -17527,250 +16031,8 @@
                   <a:cs typeface="Open Sans"/>
                   <a:sym typeface="Open Sans"/>
                 </a:rPr>
-                <a:t>We modify existing explanation methods for link prediction and heterogeneous graphs and quantify explanation quality.</a:t>
+                <a:t>We selected the </a:t>
               </a:r>
-            </a:p>
-            <a:p>
-              <a:pPr marL="0" marR="0" lvl="0" indent="0" algn="l" rtl="0">
-                <a:lnSpc>
-                  <a:spcPct val="100000"/>
-                </a:lnSpc>
-                <a:spcBef>
-                  <a:spcPts val="0"/>
-                </a:spcBef>
-                <a:spcAft>
-                  <a:spcPts val="0"/>
-                </a:spcAft>
-                <a:buNone/>
-              </a:pPr>
-              <a:endParaRPr lang="en-US" sz="700" b="0" i="0" u="none" strike="noStrike" cap="none" dirty="0">
-                <a:solidFill>
-                  <a:srgbClr val="000000"/>
-                </a:solidFill>
-                <a:latin typeface="Open Sans"/>
-                <a:ea typeface="Open Sans"/>
-                <a:cs typeface="Open Sans"/>
-                <a:sym typeface="Open Sans"/>
-              </a:endParaRPr>
-            </a:p>
-            <a:p>
-              <a:pPr marL="0" marR="0" lvl="0" indent="0" algn="l" rtl="0">
-                <a:lnSpc>
-                  <a:spcPct val="100000"/>
-                </a:lnSpc>
-                <a:spcBef>
-                  <a:spcPts val="0"/>
-                </a:spcBef>
-                <a:spcAft>
-                  <a:spcPts val="0"/>
-                </a:spcAft>
-                <a:buNone/>
-              </a:pPr>
-              <a:r>
-                <a:rPr lang="en-US" sz="700" dirty="0">
-                  <a:latin typeface="Open Sans"/>
-                  <a:ea typeface="Open Sans"/>
-                  <a:cs typeface="Open Sans"/>
-                  <a:sym typeface="Open Sans"/>
-                </a:rPr>
-                <a:t>Datasets</a:t>
-              </a:r>
-            </a:p>
-            <a:p>
-              <a:pPr marL="171450" marR="0" lvl="0" indent="-171450" algn="l" rtl="0">
-                <a:lnSpc>
-                  <a:spcPct val="100000"/>
-                </a:lnSpc>
-                <a:spcBef>
-                  <a:spcPts val="0"/>
-                </a:spcBef>
-                <a:spcAft>
-                  <a:spcPts val="0"/>
-                </a:spcAft>
-                <a:buFont typeface="Arial" panose="020B0604020202020204" pitchFamily="34" charset="0"/>
-                <a:buChar char="•"/>
-              </a:pPr>
-              <a:r>
-                <a:rPr lang="en-US" sz="700" b="1" i="0" u="none" strike="noStrike" cap="none" dirty="0">
-                  <a:solidFill>
-                    <a:srgbClr val="000000"/>
-                  </a:solidFill>
-                  <a:latin typeface="Open Sans"/>
-                  <a:ea typeface="Open Sans"/>
-                  <a:cs typeface="Open Sans"/>
-                  <a:sym typeface="Open Sans"/>
-                </a:rPr>
-                <a:t>Facebook</a:t>
-              </a:r>
-              <a:r>
-                <a:rPr lang="en-US" sz="700" dirty="0">
-                  <a:latin typeface="Open Sans"/>
-                  <a:ea typeface="Open Sans"/>
-                  <a:cs typeface="Open Sans"/>
-                  <a:sym typeface="Open Sans"/>
-                </a:rPr>
-                <a:t>: Homogeneous graph of 4000+ Facebook users with 170,000+ friend connections [5].</a:t>
-              </a:r>
-            </a:p>
-            <a:p>
-              <a:pPr marL="171450" marR="0" lvl="0" indent="-171450" algn="l" rtl="0">
-                <a:lnSpc>
-                  <a:spcPct val="100000"/>
-                </a:lnSpc>
-                <a:spcBef>
-                  <a:spcPts val="0"/>
-                </a:spcBef>
-                <a:spcAft>
-                  <a:spcPts val="0"/>
-                </a:spcAft>
-                <a:buFont typeface="Arial" panose="020B0604020202020204" pitchFamily="34" charset="0"/>
-                <a:buChar char="•"/>
-              </a:pPr>
-              <a:r>
-                <a:rPr lang="en-US" sz="700" b="1" i="0" u="none" strike="noStrike" cap="none" dirty="0">
-                  <a:solidFill>
-                    <a:srgbClr val="000000"/>
-                  </a:solidFill>
-                  <a:latin typeface="Open Sans"/>
-                  <a:ea typeface="Open Sans"/>
-                  <a:cs typeface="Open Sans"/>
-                  <a:sym typeface="Open Sans"/>
-                </a:rPr>
-                <a:t>IMDB</a:t>
-              </a:r>
-              <a:r>
-                <a:rPr lang="en-US" sz="700" b="0" i="0" u="none" strike="noStrike" cap="none" dirty="0">
-                  <a:solidFill>
-                    <a:srgbClr val="000000"/>
-                  </a:solidFill>
-                  <a:latin typeface="Open Sans"/>
-                  <a:ea typeface="Open Sans"/>
-                  <a:cs typeface="Open Sans"/>
-                  <a:sym typeface="Open Sans"/>
-                </a:rPr>
-                <a:t>: Heterogeneous graph with </a:t>
-              </a:r>
-              <a:r>
-                <a:rPr lang="en-US" sz="700" dirty="0">
-                  <a:latin typeface="Open Sans"/>
-                  <a:ea typeface="Open Sans"/>
-                  <a:cs typeface="Open Sans"/>
-                  <a:sym typeface="Open Sans"/>
-                </a:rPr>
-                <a:t>11000+ movies, directors, and</a:t>
-              </a:r>
-              <a:r>
-                <a:rPr lang="en-US" sz="700" b="0" i="0" u="none" strike="noStrike" cap="none" dirty="0">
-                  <a:solidFill>
-                    <a:srgbClr val="000000"/>
-                  </a:solidFill>
-                  <a:latin typeface="Open Sans"/>
-                  <a:ea typeface="Open Sans"/>
-                  <a:cs typeface="Open Sans"/>
-                  <a:sym typeface="Open Sans"/>
-                </a:rPr>
-                <a:t> actors</a:t>
-              </a:r>
-              <a:r>
-                <a:rPr lang="en-US" sz="700" dirty="0">
-                  <a:latin typeface="Open Sans"/>
-                  <a:ea typeface="Open Sans"/>
-                  <a:cs typeface="Open Sans"/>
-                  <a:sym typeface="Open Sans"/>
-                </a:rPr>
-                <a:t>, </a:t>
-              </a:r>
-              <a:r>
-                <a:rPr lang="en-US" sz="700" b="0" i="0" u="none" strike="noStrike" cap="none" dirty="0">
-                  <a:solidFill>
-                    <a:srgbClr val="000000"/>
-                  </a:solidFill>
-                  <a:latin typeface="Open Sans"/>
-                  <a:ea typeface="Open Sans"/>
-                  <a:cs typeface="Open Sans"/>
-                  <a:sym typeface="Open Sans"/>
-                </a:rPr>
-                <a:t>15000+ (actor-movie), (</a:t>
-              </a:r>
-              <a:r>
-                <a:rPr lang="en-US" sz="700" dirty="0">
-                  <a:latin typeface="Open Sans"/>
-                  <a:ea typeface="Open Sans"/>
-                  <a:cs typeface="Open Sans"/>
-                  <a:sym typeface="Open Sans"/>
-                </a:rPr>
-                <a:t>m</a:t>
-              </a:r>
-              <a:r>
-                <a:rPr lang="en-US" sz="700" b="0" i="0" u="none" strike="noStrike" cap="none" dirty="0">
-                  <a:solidFill>
-                    <a:srgbClr val="000000"/>
-                  </a:solidFill>
-                  <a:latin typeface="Open Sans"/>
-                  <a:ea typeface="Open Sans"/>
-                  <a:cs typeface="Open Sans"/>
-                  <a:sym typeface="Open Sans"/>
-                </a:rPr>
-                <a:t>ovie-director) edges [6]</a:t>
-              </a:r>
-            </a:p>
-            <a:p>
-              <a:pPr marL="0" marR="0" lvl="0" indent="0" algn="l" rtl="0">
-                <a:lnSpc>
-                  <a:spcPct val="100000"/>
-                </a:lnSpc>
-                <a:spcBef>
-                  <a:spcPts val="0"/>
-                </a:spcBef>
-                <a:spcAft>
-                  <a:spcPts val="0"/>
-                </a:spcAft>
-                <a:buNone/>
-              </a:pPr>
-              <a:endParaRPr lang="en-US" sz="700" dirty="0">
-                <a:latin typeface="Open Sans"/>
-                <a:ea typeface="Open Sans"/>
-                <a:cs typeface="Open Sans"/>
-                <a:sym typeface="Open Sans"/>
-              </a:endParaRPr>
-            </a:p>
-            <a:p>
-              <a:pPr marL="0" marR="0" lvl="0" indent="0" algn="l" rtl="0">
-                <a:lnSpc>
-                  <a:spcPct val="100000"/>
-                </a:lnSpc>
-                <a:spcBef>
-                  <a:spcPts val="0"/>
-                </a:spcBef>
-                <a:spcAft>
-                  <a:spcPts val="0"/>
-                </a:spcAft>
-                <a:buNone/>
-              </a:pPr>
-              <a:r>
-                <a:rPr lang="en-US" sz="700" dirty="0">
-                  <a:latin typeface="Open Sans"/>
-                  <a:ea typeface="Open Sans"/>
-                  <a:cs typeface="Open Sans"/>
-                  <a:sym typeface="Open Sans"/>
-                </a:rPr>
-                <a:t>Link Prediction Models</a:t>
-              </a:r>
-            </a:p>
-            <a:p>
-              <a:pPr marL="171450" marR="0" lvl="0" indent="-171450" algn="l" rtl="0">
-                <a:lnSpc>
-                  <a:spcPct val="100000"/>
-                </a:lnSpc>
-                <a:spcBef>
-                  <a:spcPts val="0"/>
-                </a:spcBef>
-                <a:spcAft>
-                  <a:spcPts val="0"/>
-                </a:spcAft>
-                <a:buFont typeface="Arial" panose="020B0604020202020204" pitchFamily="34" charset="0"/>
-                <a:buChar char="•"/>
-              </a:pPr>
               <a:r>
                 <a:rPr lang="en-US" sz="700" b="1" dirty="0">
                   <a:latin typeface="Open Sans"/>
@@ -17787,23 +16049,8 @@
                   <a:cs typeface="Open Sans"/>
                   <a:sym typeface="Open Sans"/>
                 </a:rPr>
-                <a:t>: We trained a 2-layer GCN Encoder and Linear Decoder with 180K parameters, 89% ROC AUC on test set</a:t>
+                <a:t> (homogeneous) and </a:t>
               </a:r>
-            </a:p>
-            <a:p>
-              <a:pPr marL="171450" marR="0" lvl="0" indent="-171450" algn="l" rtl="0">
-                <a:lnSpc>
-                  <a:spcPct val="100000"/>
-                </a:lnSpc>
-                <a:spcBef>
-                  <a:spcPts val="0"/>
-                </a:spcBef>
-                <a:spcAft>
-                  <a:spcPts val="0"/>
-                </a:spcAft>
-                <a:buFont typeface="Arial" panose="020B0604020202020204" pitchFamily="34" charset="0"/>
-                <a:buChar char="•"/>
-              </a:pPr>
               <a:r>
                 <a:rPr lang="en-US" sz="700" b="1" dirty="0">
                   <a:latin typeface="Open Sans"/>
@@ -17820,11 +16067,11 @@
                   <a:cs typeface="Open Sans"/>
                   <a:sym typeface="Open Sans"/>
                 </a:rPr>
-                <a:t>: We trained a 2-layer SAGE Encoder and dot-product Decoder with 320K parameters, 77% ROC AUC on test set</a:t>
+                <a:t> (heterogeneous; movie-actor, movie-director edges) datasets.</a:t>
               </a:r>
             </a:p>
             <a:p>
-              <a:pPr marL="171450" marR="0" lvl="0" indent="-171450" algn="l" rtl="0">
+              <a:pPr marR="0" lvl="0" algn="l" rtl="0">
                 <a:lnSpc>
                   <a:spcPct val="100000"/>
                 </a:lnSpc>
@@ -17834,8 +16081,6 @@
                 <a:spcAft>
                   <a:spcPts val="0"/>
                 </a:spcAft>
-                <a:buFont typeface="Arial" panose="020B0604020202020204" pitchFamily="34" charset="0"/>
-                <a:buChar char="•"/>
               </a:pPr>
               <a:endParaRPr lang="en-US" sz="700" dirty="0">
                 <a:latin typeface="Open Sans"/>
@@ -17863,11 +16108,11 @@
                   <a:cs typeface="Open Sans"/>
                   <a:sym typeface="Open Sans"/>
                 </a:rPr>
-                <a:t>Restricted explanations to immediate neighbors for increased interpretability, real-world applications.</a:t>
+                <a:t>                                       Figure 2: Explanations are restricted to</a:t>
               </a:r>
             </a:p>
             <a:p>
-              <a:pPr marL="171450" marR="0" lvl="0" indent="-171450" algn="l" rtl="0">
+              <a:pPr marR="0" lvl="0" algn="l" rtl="0">
                 <a:lnSpc>
                   <a:spcPct val="100000"/>
                 </a:lnSpc>
@@ -17877,8 +16122,68 @@
                 <a:spcAft>
                   <a:spcPts val="0"/>
                 </a:spcAft>
-                <a:buFont typeface="Arial" panose="020B0604020202020204" pitchFamily="34" charset="0"/>
-                <a:buChar char="•"/>
+              </a:pPr>
+              <a:r>
+                <a:rPr lang="en-US" sz="700" dirty="0">
+                  <a:latin typeface="Open Sans"/>
+                  <a:ea typeface="Open Sans"/>
+                  <a:cs typeface="Open Sans"/>
+                  <a:sym typeface="Open Sans"/>
+                </a:rPr>
+                <a:t>                                       </a:t>
+              </a:r>
+              <a:r>
+                <a:rPr lang="en-US" sz="700" b="1" dirty="0">
+                  <a:latin typeface="Open Sans"/>
+                  <a:ea typeface="Open Sans"/>
+                  <a:cs typeface="Open Sans"/>
+                  <a:sym typeface="Open Sans"/>
+                </a:rPr>
+                <a:t>immediate neighbors</a:t>
+              </a:r>
+              <a:r>
+                <a:rPr lang="en-US" sz="700" dirty="0">
+                  <a:latin typeface="Open Sans"/>
+                  <a:ea typeface="Open Sans"/>
+                  <a:cs typeface="Open Sans"/>
+                  <a:sym typeface="Open Sans"/>
+                </a:rPr>
+                <a:t> for increased</a:t>
+              </a:r>
+            </a:p>
+            <a:p>
+              <a:pPr marR="0" lvl="0" algn="l" rtl="0">
+                <a:lnSpc>
+                  <a:spcPct val="100000"/>
+                </a:lnSpc>
+                <a:spcBef>
+                  <a:spcPts val="0"/>
+                </a:spcBef>
+                <a:spcAft>
+                  <a:spcPts val="0"/>
+                </a:spcAft>
+              </a:pPr>
+              <a:r>
+                <a:rPr lang="en-US" sz="700" dirty="0">
+                  <a:latin typeface="Open Sans"/>
+                  <a:ea typeface="Open Sans"/>
+                  <a:cs typeface="Open Sans"/>
+                  <a:sym typeface="Open Sans"/>
+                </a:rPr>
+                <a:t>                                       interpretability and real-world use cases.</a:t>
+              </a:r>
+            </a:p>
+            <a:p>
+              <a:pPr marR="0" lvl="0" algn="l" rtl="0">
+                <a:lnSpc>
+                  <a:spcPct val="100000"/>
+                </a:lnSpc>
+                <a:spcBef>
+                  <a:spcPts val="0"/>
+                </a:spcBef>
+                <a:spcAft>
+                  <a:spcPts val="0"/>
+                </a:spcAft>
               </a:pPr>
               <a:endParaRPr lang="en-US" sz="700" dirty="0">
                 <a:latin typeface="Open Sans"/>
@@ -17906,11 +16211,11 @@
                   <a:cs typeface="Open Sans"/>
                   <a:sym typeface="Open Sans"/>
                 </a:rPr>
-                <a:t>Explanation Models</a:t>
+                <a:t>                                       When explaining the dotted blue edge,</a:t>
               </a:r>
             </a:p>
             <a:p>
-              <a:pPr marL="171450" marR="0" lvl="0" indent="-171450" algn="l" rtl="0">
+              <a:pPr marR="0" lvl="0" algn="l" rtl="0">
                 <a:lnSpc>
                   <a:spcPct val="100000"/>
                 </a:lnSpc>
@@ -17920,18 +16225,7 @@
                 <a:spcAft>
                   <a:spcPts val="0"/>
                 </a:spcAft>
-                <a:buFont typeface="Arial" panose="020B0604020202020204" pitchFamily="34" charset="0"/>
-                <a:buChar char="•"/>
               </a:pPr>
-              <a:r>
-                <a:rPr lang="en-US" sz="700" b="1" dirty="0">
-                  <a:latin typeface="Open Sans"/>
-                  <a:ea typeface="Open Sans"/>
-                  <a:cs typeface="Open Sans"/>
-                  <a:sym typeface="Open Sans"/>
-                </a:rPr>
-                <a:t>Random Baseline</a:t>
-              </a:r>
               <a:r>
                 <a:rPr lang="en-US" sz="700" dirty="0">
                   <a:latin typeface="Open Sans"/>
@@ -17939,11 +16233,11 @@
                   <a:cs typeface="Open Sans"/>
                   <a:sym typeface="Open Sans"/>
                 </a:rPr>
-                <a:t>: Randomly predict importance</a:t>
+                <a:t>                                       we only allow subsets of the green nodes</a:t>
               </a:r>
             </a:p>
             <a:p>
-              <a:pPr marL="171450" marR="0" lvl="0" indent="-171450" algn="l" rtl="0">
+              <a:pPr marR="0" lvl="0" algn="l" rtl="0">
                 <a:lnSpc>
                   <a:spcPct val="100000"/>
                 </a:lnSpc>
@@ -17953,18 +16247,7 @@
                 <a:spcAft>
                   <a:spcPts val="0"/>
                 </a:spcAft>
-                <a:buFont typeface="Arial" panose="020B0604020202020204" pitchFamily="34" charset="0"/>
-                <a:buChar char="•"/>
               </a:pPr>
-              <a:r>
-                <a:rPr lang="en-US" sz="700" b="1" dirty="0">
-                  <a:latin typeface="Open Sans"/>
-                  <a:ea typeface="Open Sans"/>
-                  <a:cs typeface="Open Sans"/>
-                  <a:sym typeface="Open Sans"/>
-                </a:rPr>
-                <a:t>Embedding Baseline</a:t>
-              </a:r>
               <a:r>
                 <a:rPr lang="en-US" sz="700" dirty="0">
                   <a:latin typeface="Open Sans"/>
@@ -17972,11 +16255,11 @@
                   <a:cs typeface="Open Sans"/>
                   <a:sym typeface="Open Sans"/>
                 </a:rPr>
-                <a:t>: Similarity to non-adjacent node</a:t>
+                <a:t>                                       as possible explanations.</a:t>
               </a:r>
             </a:p>
             <a:p>
-              <a:pPr marL="171450" marR="0" lvl="0" indent="-171450" algn="l" rtl="0">
+              <a:pPr marR="0" lvl="0" algn="l" rtl="0">
                 <a:lnSpc>
                   <a:spcPct val="100000"/>
                 </a:lnSpc>
@@ -17986,8 +16269,69 @@
                 <a:spcAft>
                   <a:spcPts val="0"/>
                 </a:spcAft>
-                <a:buFont typeface="Arial" panose="020B0604020202020204" pitchFamily="34" charset="0"/>
-                <a:buChar char="•"/>
+              </a:pPr>
+              <a:r>
+                <a:rPr lang="en-US" sz="700" dirty="0">
+                  <a:latin typeface="Open Sans"/>
+                  <a:ea typeface="Open Sans"/>
+                  <a:cs typeface="Open Sans"/>
+                  <a:sym typeface="Open Sans"/>
+                </a:rPr>
+                <a:t>                                      </a:t>
+              </a:r>
+            </a:p>
+            <a:p>
+              <a:pPr marR="0" lvl="0" algn="l" rtl="0">
+                <a:lnSpc>
+                  <a:spcPct val="100000"/>
+                </a:lnSpc>
+                <a:spcBef>
+                  <a:spcPts val="0"/>
+                </a:spcBef>
+                <a:spcAft>
+                  <a:spcPts val="0"/>
+                </a:spcAft>
+              </a:pPr>
+              <a:r>
+                <a:rPr lang="en-US" sz="700" dirty="0">
+                  <a:latin typeface="Open Sans"/>
+                  <a:ea typeface="Open Sans"/>
+                  <a:cs typeface="Open Sans"/>
+                  <a:sym typeface="Open Sans"/>
+                </a:rPr>
+                <a:t>We measured continuous characterization score (with emphasis on necessary explanations) as a function of sparsity.</a:t>
+              </a:r>
+            </a:p>
+            <a:p>
+              <a:pPr marR="0" lvl="0" algn="l" rtl="0">
+                <a:lnSpc>
+                  <a:spcPct val="100000"/>
+                </a:lnSpc>
+                <a:spcBef>
+                  <a:spcPts val="0"/>
+                </a:spcBef>
+                <a:spcAft>
+                  <a:spcPts val="0"/>
+                </a:spcAft>
+              </a:pPr>
+              <a:endParaRPr lang="en-US" sz="700" dirty="0">
+                <a:latin typeface="Open Sans"/>
+                <a:ea typeface="Open Sans"/>
+                <a:cs typeface="Open Sans"/>
+                <a:sym typeface="Open Sans"/>
+              </a:endParaRPr>
+            </a:p>
+            <a:p>
+              <a:pPr marR="0" lvl="0" algn="l" rtl="0">
+                <a:lnSpc>
+                  <a:spcPct val="100000"/>
+                </a:lnSpc>
+                <a:spcBef>
+                  <a:spcPts val="0"/>
+                </a:spcBef>
+                <a:spcAft>
+                  <a:spcPts val="0"/>
+                </a:spcAft>
               </a:pPr>
               <a:r>
                 <a:rPr lang="en-US" sz="700" b="1" dirty="0">
@@ -18005,11 +16349,11 @@
                   <a:cs typeface="Open Sans"/>
                   <a:sym typeface="Open Sans"/>
                 </a:rPr>
-                <a:t>: Extended GNNExplainer to link prediction and heterogeneous graphs. Modified subgraph masking and loss function to improve performance.</a:t>
+                <a:t>: New loss encourages ordering of candidate nodes, handles varying neighborhood sizes better.</a:t>
               </a:r>
             </a:p>
             <a:p>
-              <a:pPr marL="171450" marR="0" lvl="0" indent="-171450" algn="l" rtl="0">
+              <a:pPr marR="0" lvl="0" algn="l" rtl="0">
                 <a:lnSpc>
                   <a:spcPct val="100000"/>
                 </a:lnSpc>
@@ -18019,42 +16363,16 @@
                 <a:spcAft>
                   <a:spcPts val="0"/>
                 </a:spcAft>
-                <a:buFont typeface="Arial" panose="020B0604020202020204" pitchFamily="34" charset="0"/>
-                <a:buChar char="•"/>
               </a:pPr>
-              <a:r>
-                <a:rPr lang="en-US" sz="700" b="1" dirty="0">
-                  <a:latin typeface="Open Sans"/>
-                  <a:ea typeface="Open Sans"/>
-                  <a:cs typeface="Open Sans"/>
-                  <a:sym typeface="Open Sans"/>
-                </a:rPr>
-                <a:t>Modified SubgraphX</a:t>
-              </a:r>
-              <a:r>
-                <a:rPr lang="en-US" sz="700" dirty="0">
-                  <a:latin typeface="Open Sans"/>
-                  <a:ea typeface="Open Sans"/>
-                  <a:cs typeface="Open Sans"/>
-                  <a:sym typeface="Open Sans"/>
-                </a:rPr>
-                <a:t>: Removed MCTS step for speedup. Masks edges instead of nodes, use greedy algorithm</a:t>
-              </a:r>
-              <a:r>
-                <a:rPr lang="en-US" sz="700" dirty="0">
-                  <a:solidFill>
-                    <a:schemeClr val="dk1"/>
-                  </a:solidFill>
-                  <a:latin typeface="Open Sans"/>
-                  <a:ea typeface="Open Sans"/>
-                  <a:cs typeface="Open Sans"/>
-                  <a:sym typeface="Open Sans"/>
-                </a:rPr>
-                <a:t>.</a:t>
-              </a:r>
+              <a:endParaRPr lang="en-US" sz="700" dirty="0">
+                <a:latin typeface="Open Sans"/>
+                <a:ea typeface="Open Sans"/>
+                <a:cs typeface="Open Sans"/>
+                <a:sym typeface="Open Sans"/>
+              </a:endParaRPr>
             </a:p>
             <a:p>
-              <a:pPr marL="171450" marR="0" lvl="0" indent="-171450" algn="l" rtl="0">
+              <a:pPr marR="0" lvl="0" algn="l" rtl="0">
                 <a:lnSpc>
                   <a:spcPct val="100000"/>
                 </a:lnSpc>
@@ -18064,8 +16382,272 @@
                 <a:spcAft>
                   <a:spcPts val="0"/>
                 </a:spcAft>
-                <a:buFont typeface="Arial" panose="020B0604020202020204" pitchFamily="34" charset="0"/>
-                <a:buChar char="•"/>
+              </a:pPr>
+              <a:endParaRPr lang="en-US" sz="700" dirty="0">
+                <a:latin typeface="Open Sans"/>
+                <a:ea typeface="Open Sans"/>
+                <a:cs typeface="Open Sans"/>
+                <a:sym typeface="Open Sans"/>
+              </a:endParaRPr>
+            </a:p>
+            <a:p>
+              <a:pPr marR="0" lvl="0" algn="l" rtl="0">
+                <a:lnSpc>
+                  <a:spcPct val="100000"/>
+                </a:lnSpc>
+                <a:spcBef>
+                  <a:spcPts val="0"/>
+                </a:spcBef>
+                <a:spcAft>
+                  <a:spcPts val="0"/>
+                </a:spcAft>
+              </a:pPr>
+              <a:endParaRPr lang="en-US" sz="700" dirty="0">
+                <a:latin typeface="Open Sans"/>
+                <a:ea typeface="Open Sans"/>
+                <a:cs typeface="Open Sans"/>
+                <a:sym typeface="Open Sans"/>
+              </a:endParaRPr>
+            </a:p>
+            <a:p>
+              <a:pPr marR="0" lvl="0" algn="l" rtl="0">
+                <a:lnSpc>
+                  <a:spcPct val="100000"/>
+                </a:lnSpc>
+                <a:spcBef>
+                  <a:spcPts val="0"/>
+                </a:spcBef>
+                <a:spcAft>
+                  <a:spcPts val="0"/>
+                </a:spcAft>
+              </a:pPr>
+              <a:endParaRPr lang="en-US" sz="700" dirty="0">
+                <a:latin typeface="Open Sans"/>
+                <a:ea typeface="Open Sans"/>
+                <a:cs typeface="Open Sans"/>
+                <a:sym typeface="Open Sans"/>
+              </a:endParaRPr>
+            </a:p>
+            <a:p>
+              <a:pPr marR="0" lvl="0" algn="l" rtl="0">
+                <a:lnSpc>
+                  <a:spcPct val="100000"/>
+                </a:lnSpc>
+                <a:spcBef>
+                  <a:spcPts val="0"/>
+                </a:spcBef>
+                <a:spcAft>
+                  <a:spcPts val="0"/>
+                </a:spcAft>
+              </a:pPr>
+              <a:endParaRPr lang="en-US" sz="700" dirty="0">
+                <a:latin typeface="Open Sans"/>
+                <a:ea typeface="Open Sans"/>
+                <a:cs typeface="Open Sans"/>
+                <a:sym typeface="Open Sans"/>
+              </a:endParaRPr>
+            </a:p>
+            <a:p>
+              <a:pPr marR="0" lvl="0" algn="l" rtl="0">
+                <a:lnSpc>
+                  <a:spcPct val="100000"/>
+                </a:lnSpc>
+                <a:spcBef>
+                  <a:spcPts val="0"/>
+                </a:spcBef>
+                <a:spcAft>
+                  <a:spcPts val="0"/>
+                </a:spcAft>
+              </a:pPr>
+              <a:endParaRPr lang="en-US" sz="700" dirty="0">
+                <a:latin typeface="Open Sans"/>
+                <a:ea typeface="Open Sans"/>
+                <a:cs typeface="Open Sans"/>
+                <a:sym typeface="Open Sans"/>
+              </a:endParaRPr>
+            </a:p>
+            <a:p>
+              <a:pPr marR="0" lvl="0" algn="l" rtl="0">
+                <a:lnSpc>
+                  <a:spcPct val="100000"/>
+                </a:lnSpc>
+                <a:spcBef>
+                  <a:spcPts val="0"/>
+                </a:spcBef>
+                <a:spcAft>
+                  <a:spcPts val="0"/>
+                </a:spcAft>
+              </a:pPr>
+              <a:endParaRPr lang="en-US" sz="700" dirty="0">
+                <a:latin typeface="Open Sans"/>
+                <a:ea typeface="Open Sans"/>
+                <a:cs typeface="Open Sans"/>
+                <a:sym typeface="Open Sans"/>
+              </a:endParaRPr>
+            </a:p>
+            <a:p>
+              <a:pPr marR="0" lvl="0" algn="l" rtl="0">
+                <a:lnSpc>
+                  <a:spcPct val="100000"/>
+                </a:lnSpc>
+                <a:spcBef>
+                  <a:spcPts val="0"/>
+                </a:spcBef>
+                <a:spcAft>
+                  <a:spcPts val="0"/>
+                </a:spcAft>
+              </a:pPr>
+              <a:endParaRPr lang="en-US" sz="700" dirty="0">
+                <a:latin typeface="Open Sans"/>
+                <a:ea typeface="Open Sans"/>
+                <a:cs typeface="Open Sans"/>
+                <a:sym typeface="Open Sans"/>
+              </a:endParaRPr>
+            </a:p>
+            <a:p>
+              <a:pPr marR="0" lvl="0" algn="l" rtl="0">
+                <a:lnSpc>
+                  <a:spcPct val="100000"/>
+                </a:lnSpc>
+                <a:spcBef>
+                  <a:spcPts val="0"/>
+                </a:spcBef>
+                <a:spcAft>
+                  <a:spcPts val="0"/>
+                </a:spcAft>
+              </a:pPr>
+              <a:endParaRPr lang="en-US" sz="700" dirty="0">
+                <a:latin typeface="Open Sans"/>
+                <a:ea typeface="Open Sans"/>
+                <a:cs typeface="Open Sans"/>
+                <a:sym typeface="Open Sans"/>
+              </a:endParaRPr>
+            </a:p>
+            <a:p>
+              <a:pPr marR="0" lvl="0" algn="l" rtl="0">
+                <a:lnSpc>
+                  <a:spcPct val="100000"/>
+                </a:lnSpc>
+                <a:spcBef>
+                  <a:spcPts val="0"/>
+                </a:spcBef>
+                <a:spcAft>
+                  <a:spcPts val="0"/>
+                </a:spcAft>
+              </a:pPr>
+              <a:endParaRPr lang="en-US" sz="700" dirty="0">
+                <a:latin typeface="Open Sans"/>
+                <a:ea typeface="Open Sans"/>
+                <a:cs typeface="Open Sans"/>
+                <a:sym typeface="Open Sans"/>
+              </a:endParaRPr>
+            </a:p>
+            <a:p>
+              <a:pPr marR="0" lvl="0" algn="l" rtl="0">
+                <a:lnSpc>
+                  <a:spcPct val="100000"/>
+                </a:lnSpc>
+                <a:spcBef>
+                  <a:spcPts val="0"/>
+                </a:spcBef>
+                <a:spcAft>
+                  <a:spcPts val="0"/>
+                </a:spcAft>
+              </a:pPr>
+              <a:endParaRPr lang="en-US" sz="700" dirty="0">
+                <a:latin typeface="Open Sans"/>
+                <a:ea typeface="Open Sans"/>
+                <a:cs typeface="Open Sans"/>
+                <a:sym typeface="Open Sans"/>
+              </a:endParaRPr>
+            </a:p>
+            <a:p>
+              <a:pPr marR="0" lvl="0" algn="l" rtl="0">
+                <a:lnSpc>
+                  <a:spcPct val="100000"/>
+                </a:lnSpc>
+                <a:spcBef>
+                  <a:spcPts val="0"/>
+                </a:spcBef>
+                <a:spcAft>
+                  <a:spcPts val="0"/>
+                </a:spcAft>
+              </a:pPr>
+              <a:endParaRPr lang="en-US" sz="700" dirty="0">
+                <a:latin typeface="Open Sans"/>
+                <a:ea typeface="Open Sans"/>
+                <a:cs typeface="Open Sans"/>
+                <a:sym typeface="Open Sans"/>
+              </a:endParaRPr>
+            </a:p>
+            <a:p>
+              <a:pPr marR="0" lvl="0" algn="l" rtl="0">
+                <a:lnSpc>
+                  <a:spcPct val="100000"/>
+                </a:lnSpc>
+                <a:spcBef>
+                  <a:spcPts val="0"/>
+                </a:spcBef>
+                <a:spcAft>
+                  <a:spcPts val="0"/>
+                </a:spcAft>
+              </a:pPr>
+              <a:endParaRPr lang="en-US" sz="700" dirty="0">
+                <a:latin typeface="Open Sans"/>
+                <a:ea typeface="Open Sans"/>
+                <a:cs typeface="Open Sans"/>
+                <a:sym typeface="Open Sans"/>
+              </a:endParaRPr>
+            </a:p>
+            <a:p>
+              <a:pPr marR="0" lvl="0" algn="l" rtl="0">
+                <a:lnSpc>
+                  <a:spcPct val="100000"/>
+                </a:lnSpc>
+                <a:spcBef>
+                  <a:spcPts val="0"/>
+                </a:spcBef>
+                <a:spcAft>
+                  <a:spcPts val="0"/>
+                </a:spcAft>
+              </a:pPr>
+              <a:endParaRPr lang="en-US" sz="700" dirty="0">
+                <a:latin typeface="Open Sans"/>
+                <a:ea typeface="Open Sans"/>
+                <a:cs typeface="Open Sans"/>
+                <a:sym typeface="Open Sans"/>
+              </a:endParaRPr>
+            </a:p>
+            <a:p>
+              <a:pPr marR="0" lvl="0" algn="l" rtl="0">
+                <a:lnSpc>
+                  <a:spcPct val="100000"/>
+                </a:lnSpc>
+                <a:spcBef>
+                  <a:spcPts val="0"/>
+                </a:spcBef>
+                <a:spcAft>
+                  <a:spcPts val="0"/>
+                </a:spcAft>
+              </a:pPr>
+              <a:endParaRPr lang="en-US" sz="700" dirty="0">
+                <a:latin typeface="Open Sans"/>
+                <a:ea typeface="Open Sans"/>
+                <a:cs typeface="Open Sans"/>
+                <a:sym typeface="Open Sans"/>
+              </a:endParaRPr>
+            </a:p>
+            <a:p>
+              <a:pPr marR="0" lvl="0" algn="l" rtl="0">
+                <a:lnSpc>
+                  <a:spcPct val="100000"/>
+                </a:lnSpc>
+                <a:spcBef>
+                  <a:spcPts val="0"/>
+                </a:spcBef>
+                <a:spcAft>
+                  <a:spcPts val="0"/>
+                </a:spcAft>
               </a:pPr>
               <a:endParaRPr lang="en-US" sz="700" dirty="0">
                 <a:latin typeface="Open Sans"/>
@@ -18093,7 +16675,250 @@
                   <a:cs typeface="Open Sans"/>
                   <a:sym typeface="Open Sans"/>
                 </a:rPr>
-                <a:t>We measured continuous characterization (with an emphasis on necessary explanations) as a function of sparsity.</a:t>
+                <a:t>Figure 3: Modified GNNExplainer outperforms GNNExplainer on both datasets, across all explanation sizes.</a:t>
+              </a:r>
+            </a:p>
+            <a:p>
+              <a:pPr marR="0" lvl="0" algn="l" rtl="0">
+                <a:lnSpc>
+                  <a:spcPct val="100000"/>
+                </a:lnSpc>
+                <a:spcBef>
+                  <a:spcPts val="0"/>
+                </a:spcBef>
+                <a:spcAft>
+                  <a:spcPts val="0"/>
+                </a:spcAft>
+              </a:pPr>
+              <a:endParaRPr lang="en-US" sz="700" dirty="0">
+                <a:latin typeface="Open Sans"/>
+                <a:ea typeface="Open Sans"/>
+                <a:cs typeface="Open Sans"/>
+                <a:sym typeface="Open Sans"/>
+              </a:endParaRPr>
+            </a:p>
+            <a:p>
+              <a:pPr marR="0" lvl="0" algn="l" rtl="0">
+                <a:lnSpc>
+                  <a:spcPct val="100000"/>
+                </a:lnSpc>
+                <a:spcBef>
+                  <a:spcPts val="0"/>
+                </a:spcBef>
+                <a:spcAft>
+                  <a:spcPts val="0"/>
+                </a:spcAft>
+              </a:pPr>
+              <a:r>
+                <a:rPr lang="en-US" sz="700" b="1" dirty="0">
+                  <a:latin typeface="Open Sans"/>
+                  <a:ea typeface="Open Sans"/>
+                  <a:cs typeface="Open Sans"/>
+                  <a:sym typeface="Open Sans"/>
+                </a:rPr>
+                <a:t>Modified SubgraphX</a:t>
+              </a:r>
+              <a:r>
+                <a:rPr lang="en-US" sz="700" dirty="0">
+                  <a:latin typeface="Open Sans"/>
+                  <a:ea typeface="Open Sans"/>
+                  <a:cs typeface="Open Sans"/>
+                  <a:sym typeface="Open Sans"/>
+                </a:rPr>
+                <a:t>: Instead of masking removed nodes to 0, mask removed edges by deleting edge from subgraph.</a:t>
+              </a:r>
+            </a:p>
+            <a:p>
+              <a:pPr marR="0" lvl="0" algn="l" rtl="0">
+                <a:lnSpc>
+                  <a:spcPct val="100000"/>
+                </a:lnSpc>
+                <a:spcBef>
+                  <a:spcPts val="0"/>
+                </a:spcBef>
+                <a:spcAft>
+                  <a:spcPts val="0"/>
+                </a:spcAft>
+              </a:pPr>
+              <a:endParaRPr lang="en-US" sz="700" dirty="0">
+                <a:latin typeface="Open Sans"/>
+                <a:ea typeface="Open Sans"/>
+                <a:cs typeface="Open Sans"/>
+                <a:sym typeface="Open Sans"/>
+              </a:endParaRPr>
+            </a:p>
+            <a:p>
+              <a:pPr marR="0" lvl="0" algn="l" rtl="0">
+                <a:lnSpc>
+                  <a:spcPct val="100000"/>
+                </a:lnSpc>
+                <a:spcBef>
+                  <a:spcPts val="0"/>
+                </a:spcBef>
+                <a:spcAft>
+                  <a:spcPts val="0"/>
+                </a:spcAft>
+              </a:pPr>
+              <a:endParaRPr lang="en-US" sz="700" dirty="0">
+                <a:latin typeface="Open Sans"/>
+                <a:ea typeface="Open Sans"/>
+                <a:cs typeface="Open Sans"/>
+                <a:sym typeface="Open Sans"/>
+              </a:endParaRPr>
+            </a:p>
+            <a:p>
+              <a:pPr marR="0" lvl="0" algn="l" rtl="0">
+                <a:lnSpc>
+                  <a:spcPct val="100000"/>
+                </a:lnSpc>
+                <a:spcBef>
+                  <a:spcPts val="0"/>
+                </a:spcBef>
+                <a:spcAft>
+                  <a:spcPts val="0"/>
+                </a:spcAft>
+              </a:pPr>
+              <a:endParaRPr lang="en-US" sz="700" dirty="0">
+                <a:latin typeface="Open Sans"/>
+                <a:ea typeface="Open Sans"/>
+                <a:cs typeface="Open Sans"/>
+                <a:sym typeface="Open Sans"/>
+              </a:endParaRPr>
+            </a:p>
+            <a:p>
+              <a:pPr marR="0" lvl="0" algn="l" rtl="0">
+                <a:lnSpc>
+                  <a:spcPct val="100000"/>
+                </a:lnSpc>
+                <a:spcBef>
+                  <a:spcPts val="0"/>
+                </a:spcBef>
+                <a:spcAft>
+                  <a:spcPts val="0"/>
+                </a:spcAft>
+              </a:pPr>
+              <a:endParaRPr lang="en-US" sz="700" dirty="0">
+                <a:latin typeface="Open Sans"/>
+                <a:ea typeface="Open Sans"/>
+                <a:cs typeface="Open Sans"/>
+                <a:sym typeface="Open Sans"/>
+              </a:endParaRPr>
+            </a:p>
+            <a:p>
+              <a:pPr marR="0" lvl="0" algn="l" rtl="0">
+                <a:lnSpc>
+                  <a:spcPct val="100000"/>
+                </a:lnSpc>
+                <a:spcBef>
+                  <a:spcPts val="0"/>
+                </a:spcBef>
+                <a:spcAft>
+                  <a:spcPts val="0"/>
+                </a:spcAft>
+              </a:pPr>
+              <a:endParaRPr lang="en-US" sz="700" dirty="0">
+                <a:latin typeface="Open Sans"/>
+                <a:ea typeface="Open Sans"/>
+                <a:cs typeface="Open Sans"/>
+                <a:sym typeface="Open Sans"/>
+              </a:endParaRPr>
+            </a:p>
+            <a:p>
+              <a:pPr marR="0" lvl="0" algn="l" rtl="0">
+                <a:lnSpc>
+                  <a:spcPct val="100000"/>
+                </a:lnSpc>
+                <a:spcBef>
+                  <a:spcPts val="0"/>
+                </a:spcBef>
+                <a:spcAft>
+                  <a:spcPts val="0"/>
+                </a:spcAft>
+              </a:pPr>
+              <a:endParaRPr lang="en-US" sz="700" dirty="0">
+                <a:latin typeface="Open Sans"/>
+                <a:ea typeface="Open Sans"/>
+                <a:cs typeface="Open Sans"/>
+                <a:sym typeface="Open Sans"/>
+              </a:endParaRPr>
+            </a:p>
+            <a:p>
+              <a:pPr marR="0" lvl="0" algn="l" rtl="0">
+                <a:lnSpc>
+                  <a:spcPct val="100000"/>
+                </a:lnSpc>
+                <a:spcBef>
+                  <a:spcPts val="0"/>
+                </a:spcBef>
+                <a:spcAft>
+                  <a:spcPts val="0"/>
+                </a:spcAft>
+              </a:pPr>
+              <a:endParaRPr lang="en-US" sz="700" dirty="0">
+                <a:latin typeface="Open Sans"/>
+                <a:ea typeface="Open Sans"/>
+                <a:cs typeface="Open Sans"/>
+                <a:sym typeface="Open Sans"/>
+              </a:endParaRPr>
+            </a:p>
+            <a:p>
+              <a:pPr marR="0" lvl="0" algn="l" rtl="0">
+                <a:lnSpc>
+                  <a:spcPct val="100000"/>
+                </a:lnSpc>
+                <a:spcBef>
+                  <a:spcPts val="0"/>
+                </a:spcBef>
+                <a:spcAft>
+                  <a:spcPts val="0"/>
+                </a:spcAft>
+              </a:pPr>
+              <a:endParaRPr lang="en-US" sz="700" dirty="0">
+                <a:latin typeface="Open Sans"/>
+                <a:ea typeface="Open Sans"/>
+                <a:cs typeface="Open Sans"/>
+                <a:sym typeface="Open Sans"/>
+              </a:endParaRPr>
+            </a:p>
+            <a:p>
+              <a:pPr marR="0" lvl="0" algn="l" rtl="0">
+                <a:lnSpc>
+                  <a:spcPct val="100000"/>
+                </a:lnSpc>
+                <a:spcBef>
+                  <a:spcPts val="0"/>
+                </a:spcBef>
+                <a:spcAft>
+                  <a:spcPts val="0"/>
+                </a:spcAft>
+              </a:pPr>
+              <a:endParaRPr lang="en-US" sz="700" dirty="0">
+                <a:latin typeface="Open Sans"/>
+                <a:ea typeface="Open Sans"/>
+                <a:cs typeface="Open Sans"/>
+                <a:sym typeface="Open Sans"/>
+              </a:endParaRPr>
+            </a:p>
+            <a:p>
+              <a:pPr marR="0" lvl="0" algn="l" rtl="0">
+                <a:lnSpc>
+                  <a:spcPct val="100000"/>
+                </a:lnSpc>
+                <a:spcBef>
+                  <a:spcPts val="0"/>
+                </a:spcBef>
+                <a:spcAft>
+                  <a:spcPts val="0"/>
+                </a:spcAft>
+              </a:pPr>
+              <a:r>
+                <a:rPr lang="en-US" sz="700" dirty="0">
+                  <a:latin typeface="Open Sans"/>
+                  <a:ea typeface="Open Sans"/>
+                  <a:cs typeface="Open Sans"/>
+                  <a:sym typeface="Open Sans"/>
+                </a:rPr>
+                <a:t>Figure 4: Modified SubgraphX outperforms SubgraphX as well.</a:t>
               </a:r>
             </a:p>
           </p:txBody>
@@ -18168,10 +16993,10 @@
         </p:nvGrpSpPr>
         <p:grpSpPr>
           <a:xfrm>
-            <a:off x="3085473" y="4833225"/>
-            <a:ext cx="2746993" cy="1825824"/>
+            <a:off x="6127715" y="1312127"/>
+            <a:ext cx="2746993" cy="1735282"/>
             <a:chOff x="426685" y="2362084"/>
-            <a:chExt cx="2797915" cy="3462591"/>
+            <a:chExt cx="2797915" cy="3290883"/>
           </a:xfrm>
         </p:grpSpPr>
         <p:grpSp>
@@ -18297,8 +17122,8 @@
           </p:nvSpPr>
           <p:spPr>
             <a:xfrm>
-              <a:off x="470000" y="2909874"/>
-              <a:ext cx="2754600" cy="2914800"/>
+              <a:off x="470000" y="2909875"/>
+              <a:ext cx="2754600" cy="2743092"/>
             </a:xfrm>
             <a:prstGeom prst="rect">
               <a:avLst/>
@@ -18536,29 +17361,6 @@
                 </a:spcAft>
                 <a:buNone/>
               </a:pPr>
-              <a:endParaRPr lang="en-US" sz="700" dirty="0">
-                <a:solidFill>
-                  <a:schemeClr val="dk1"/>
-                </a:solidFill>
-                <a:latin typeface="Open Sans"/>
-                <a:ea typeface="Open Sans"/>
-                <a:cs typeface="Open Sans"/>
-                <a:sym typeface="Open Sans"/>
-              </a:endParaRPr>
-            </a:p>
-            <a:p>
-              <a:pPr marL="0" marR="0" lvl="0" indent="0" algn="l" rtl="0">
-                <a:lnSpc>
-                  <a:spcPct val="100000"/>
-                </a:lnSpc>
-                <a:spcBef>
-                  <a:spcPts val="0"/>
-                </a:spcBef>
-                <a:spcAft>
-                  <a:spcPts val="0"/>
-                </a:spcAft>
-                <a:buNone/>
-              </a:pPr>
               <a:r>
                 <a:rPr lang="en-US" sz="700" dirty="0">
                   <a:latin typeface="Open Sans"/>
@@ -18566,7 +17368,7 @@
                   <a:cs typeface="Open Sans"/>
                   <a:sym typeface="Open Sans"/>
                 </a:rPr>
-                <a:t>Figure 2: Facebook dataset characterization scores for four explanation methods. Left: Continuous plot with sparsity percentage. Right: Discrete plot with fixed explanation size. Modified GNNExplainer and SubgraphX outperform baselines.</a:t>
+                <a:t>Figure 5: Facebook dataset characterization scores for four explanation methods. Left: Continuous plot with sparsity percentage. Right: Discrete plot with fixed explanation size. Modified GNNExplainer and SubgraphX outperform baselines.</a:t>
               </a:r>
               <a:endParaRPr sz="700" dirty="0">
                 <a:solidFill>
@@ -18787,31 +17589,7 @@
                   <a:cs typeface="Open Sans"/>
                   <a:sym typeface="Open Sans"/>
                 </a:rPr>
-                <a:t>, </a:t>
-              </a:r>
-              <a:r>
-                <a:rPr lang="en-US" sz="700" b="0" i="0" u="none" strike="noStrike" cap="none" dirty="0" err="1">
-                  <a:solidFill>
-                    <a:srgbClr val="000000"/>
-                  </a:solidFill>
-                  <a:latin typeface="Open Sans"/>
-                  <a:ea typeface="Open Sans"/>
-                  <a:cs typeface="Open Sans"/>
-                  <a:sym typeface="Open Sans"/>
-                </a:rPr>
-                <a:t>GraphSAGE</a:t>
-              </a:r>
-              <a:r>
-                <a:rPr lang="en-US" sz="700" b="0" i="0" u="none" strike="noStrike" cap="none" dirty="0">
-                  <a:solidFill>
-                    <a:srgbClr val="000000"/>
-                  </a:solidFill>
-                  <a:latin typeface="Open Sans"/>
-                  <a:ea typeface="Open Sans"/>
-                  <a:cs typeface="Open Sans"/>
-                  <a:sym typeface="Open Sans"/>
-                </a:rPr>
-                <a:t>, GAT, and GIN are common building blocks.</a:t>
+                <a:t>, GraphSAGE, GAT, and GIN are common building blocks.</a:t>
               </a:r>
             </a:p>
             <a:p>
@@ -18881,7 +17659,7 @@
                   <a:cs typeface="Open Sans"/>
                   <a:sym typeface="Open Sans"/>
                 </a:rPr>
-                <a:t> optimizes soft masks to maximize mutual information with the GNN prediction [2].</a:t>
+                <a:t> optimizes soft masks to maximize mutual information with the GNN prediction.</a:t>
               </a:r>
             </a:p>
             <a:p>
@@ -18911,7 +17689,7 @@
                   <a:cs typeface="Open Sans"/>
                   <a:sym typeface="Open Sans"/>
                 </a:rPr>
-                <a:t> applies Monte Carlo Tree Search and Shapley values to measure subgraph importance [3].</a:t>
+                <a:t> applies Monte Carlo Tree Search and Shapley values to measure subgraph importance.</a:t>
               </a:r>
             </a:p>
             <a:p>
@@ -19015,7 +17793,7 @@
                   <a:cs typeface="Open Sans"/>
                   <a:sym typeface="Open Sans"/>
                 </a:rPr>
-                <a:t>                                                         the prediction [2].</a:t>
+                <a:t>                                                         the prediction.</a:t>
               </a:r>
             </a:p>
             <a:p>
@@ -19045,7 +17823,7 @@
                   <a:cs typeface="Open Sans"/>
                   <a:sym typeface="Open Sans"/>
                 </a:rPr>
-                <a:t>Explanations are evaluated by multiple metrics including sparsity (size of explanation), fidelity (necessary/sufficient), stability, accuracy, and inference time [4].</a:t>
+                <a:t>Explanations are evaluated by multiple metrics including sparsity (size of explanation), fidelity (necessary/sufficient), stability, accuracy, and inference time.</a:t>
               </a:r>
             </a:p>
             <a:p>
@@ -19256,93 +18034,6 @@
           </p:spPr>
         </p:pic>
       </p:grpSp>
-      <p:pic>
-        <p:nvPicPr>
-          <p:cNvPr id="25" name="Picture 24">
-            <a:extLst>
-              <a:ext uri="{FF2B5EF4-FFF2-40B4-BE49-F238E27FC236}">
-                <a16:creationId xmlns:a16="http://schemas.microsoft.com/office/drawing/2014/main" id="{8427F039-BAFC-F85E-BA9E-8FA7F05E5A77}"/>
-              </a:ext>
-            </a:extLst>
-          </p:cNvPr>
-          <p:cNvPicPr>
-            <a:picLocks noChangeAspect="1"/>
-          </p:cNvPicPr>
-          <p:nvPr/>
-        </p:nvPicPr>
-        <p:blipFill rotWithShape="1">
-          <a:blip r:embed="rId7"/>
-          <a:srcRect r="7282"/>
-          <a:stretch/>
-        </p:blipFill>
-        <p:spPr>
-          <a:xfrm>
-            <a:off x="3024868" y="5171632"/>
-            <a:ext cx="1240443" cy="1003400"/>
-          </a:xfrm>
-          <a:prstGeom prst="rect">
-            <a:avLst/>
-          </a:prstGeom>
-        </p:spPr>
-      </p:pic>
-      <p:pic>
-        <p:nvPicPr>
-          <p:cNvPr id="26" name="Picture 25">
-            <a:extLst>
-              <a:ext uri="{FF2B5EF4-FFF2-40B4-BE49-F238E27FC236}">
-                <a16:creationId xmlns:a16="http://schemas.microsoft.com/office/drawing/2014/main" id="{E9FAE7D8-E37A-1C58-DA04-49A9D807B6C9}"/>
-              </a:ext>
-            </a:extLst>
-          </p:cNvPr>
-          <p:cNvPicPr>
-            <a:picLocks noChangeAspect="1"/>
-          </p:cNvPicPr>
-          <p:nvPr/>
-        </p:nvPicPr>
-        <p:blipFill rotWithShape="1">
-          <a:blip r:embed="rId8"/>
-          <a:srcRect r="7951" b="2367"/>
-          <a:stretch/>
-        </p:blipFill>
-        <p:spPr>
-          <a:xfrm>
-            <a:off x="4265311" y="4913530"/>
-            <a:ext cx="1586886" cy="1262367"/>
-          </a:xfrm>
-          <a:prstGeom prst="rect">
-            <a:avLst/>
-          </a:prstGeom>
-        </p:spPr>
-      </p:pic>
-      <p:pic>
-        <p:nvPicPr>
-          <p:cNvPr id="27" name="Picture 26">
-            <a:extLst>
-              <a:ext uri="{FF2B5EF4-FFF2-40B4-BE49-F238E27FC236}">
-                <a16:creationId xmlns:a16="http://schemas.microsoft.com/office/drawing/2014/main" id="{91A41913-2FDA-A799-3BB5-C356E09C1D11}"/>
-              </a:ext>
-            </a:extLst>
-          </p:cNvPr>
-          <p:cNvPicPr>
-            <a:picLocks noChangeAspect="1"/>
-          </p:cNvPicPr>
-          <p:nvPr/>
-        </p:nvPicPr>
-        <p:blipFill rotWithShape="1">
-          <a:blip r:embed="rId9"/>
-          <a:srcRect l="3694" t="4992" r="9459" b="1976"/>
-          <a:stretch/>
-        </p:blipFill>
-        <p:spPr>
-          <a:xfrm>
-            <a:off x="6122214" y="1312436"/>
-            <a:ext cx="1633237" cy="1312180"/>
-          </a:xfrm>
-          <a:prstGeom prst="rect">
-            <a:avLst/>
-          </a:prstGeom>
-        </p:spPr>
-      </p:pic>
       <p:sp>
         <p:nvSpPr>
           <p:cNvPr id="28" name="Google Shape;158;p1">
@@ -19357,7 +18048,7 @@
         </p:nvSpPr>
         <p:spPr>
           <a:xfrm>
-            <a:off x="7802442" y="1541555"/>
+            <a:off x="7826541" y="3268806"/>
             <a:ext cx="1023709" cy="844472"/>
           </a:xfrm>
           <a:prstGeom prst="rect">
@@ -19393,7 +18084,7 @@
                 <a:cs typeface="Open Sans"/>
                 <a:sym typeface="Open Sans"/>
               </a:rPr>
-              <a:t>Figure 3: IMDB dataset characterization scores for four explanation methods. Modified GNNExplainer and SubgraphX outperform Embedding baseline.</a:t>
+              <a:t>Figure 6: IMDB dataset characterization scores for four explanation methods. Modified GNNExplainer and SubgraphX outperform Embedding and Random baseline.</a:t>
             </a:r>
             <a:endParaRPr sz="700" dirty="0">
               <a:latin typeface="Open Sans"/>
@@ -19418,7 +18109,7 @@
         </p:nvGrpSpPr>
         <p:grpSpPr>
           <a:xfrm>
-            <a:off x="6053404" y="3966808"/>
+            <a:off x="6079158" y="5653813"/>
             <a:ext cx="2746993" cy="962934"/>
             <a:chOff x="426685" y="2362084"/>
             <a:chExt cx="2797915" cy="1826161"/>
@@ -19582,25 +18273,7 @@
                   <a:cs typeface="Open Sans"/>
                   <a:sym typeface="Open Sans"/>
                 </a:rPr>
-                <a:t>Improve scalability to enable additional results on the Facebook dataset, </a:t>
-              </a:r>
-              <a:r>
-                <a:rPr lang="en-US" sz="700" dirty="0" err="1">
-                  <a:latin typeface="Open Sans"/>
-                  <a:ea typeface="Open Sans"/>
-                  <a:cs typeface="Open Sans"/>
-                  <a:sym typeface="Open Sans"/>
-                </a:rPr>
-                <a:t>LastFM</a:t>
-              </a:r>
-              <a:r>
-                <a:rPr lang="en-US" sz="700" dirty="0">
-                  <a:latin typeface="Open Sans"/>
-                  <a:ea typeface="Open Sans"/>
-                  <a:cs typeface="Open Sans"/>
-                  <a:sym typeface="Open Sans"/>
-                </a:rPr>
-                <a:t> dataset [6]. Develop new explanation methods leveraging heterogeneous graph meta-paths.</a:t>
+                <a:t>Improve scalability to enable additional results on the Facebook dataset, LastFM dataset. Develop new explanation methods leveraging heterogeneous graph meta-paths.</a:t>
               </a:r>
             </a:p>
             <a:p>
@@ -19641,30 +18314,323 @@
                   <a:cs typeface="Open Sans"/>
                   <a:sym typeface="Open Sans"/>
                 </a:rPr>
-                <a:t>Contribute heterogenous graph explanation and link explanation to the open-source </a:t>
-              </a:r>
-              <a:r>
-                <a:rPr lang="en-US" sz="700" dirty="0" err="1">
-                  <a:latin typeface="Open Sans"/>
-                  <a:ea typeface="Open Sans"/>
-                  <a:cs typeface="Open Sans"/>
-                  <a:sym typeface="Open Sans"/>
-                </a:rPr>
-                <a:t>PyTorch</a:t>
-              </a:r>
-              <a:r>
-                <a:rPr lang="en-US" sz="700" dirty="0">
-                  <a:latin typeface="Open Sans"/>
-                  <a:ea typeface="Open Sans"/>
-                  <a:cs typeface="Open Sans"/>
-                  <a:sym typeface="Open Sans"/>
-                </a:rPr>
-                <a:t> Geometric project.</a:t>
+                <a:t>Contribute heterogenous graph explanation and link explanation to the open-source PyTorch Geometric project.</a:t>
               </a:r>
             </a:p>
           </p:txBody>
         </p:sp>
       </p:grpSp>
+      <p:pic>
+        <p:nvPicPr>
+          <p:cNvPr id="61" name="Picture 60">
+            <a:extLst>
+              <a:ext uri="{FF2B5EF4-FFF2-40B4-BE49-F238E27FC236}">
+                <a16:creationId xmlns:a16="http://schemas.microsoft.com/office/drawing/2014/main" id="{5339BF00-7755-EA1F-BEDF-E6AE0D9A65A6}"/>
+              </a:ext>
+            </a:extLst>
+          </p:cNvPr>
+          <p:cNvPicPr>
+            <a:picLocks noChangeAspect="1"/>
+          </p:cNvPicPr>
+          <p:nvPr/>
+        </p:nvPicPr>
+        <p:blipFill>
+          <a:blip r:embed="rId7"/>
+          <a:stretch>
+            <a:fillRect/>
+          </a:stretch>
+        </p:blipFill>
+        <p:spPr>
+          <a:xfrm>
+            <a:off x="3091500" y="1866000"/>
+            <a:ext cx="891512" cy="881348"/>
+          </a:xfrm>
+          <a:prstGeom prst="rect">
+            <a:avLst/>
+          </a:prstGeom>
+        </p:spPr>
+      </p:pic>
+      <p:grpSp>
+        <p:nvGrpSpPr>
+          <p:cNvPr id="145" name="Group 144">
+            <a:extLst>
+              <a:ext uri="{FF2B5EF4-FFF2-40B4-BE49-F238E27FC236}">
+                <a16:creationId xmlns:a16="http://schemas.microsoft.com/office/drawing/2014/main" id="{3BF1A449-FB84-5F4F-1468-D741B5E2E61E}"/>
+              </a:ext>
+            </a:extLst>
+          </p:cNvPr>
+          <p:cNvGrpSpPr/>
+          <p:nvPr/>
+        </p:nvGrpSpPr>
+        <p:grpSpPr>
+          <a:xfrm>
+            <a:off x="3266873" y="5597449"/>
+            <a:ext cx="2438784" cy="871858"/>
+            <a:chOff x="3366112" y="5860409"/>
+            <a:chExt cx="2438784" cy="871858"/>
+          </a:xfrm>
+        </p:grpSpPr>
+        <p:pic>
+          <p:nvPicPr>
+            <p:cNvPr id="63" name="Picture 62">
+              <a:extLst>
+                <a:ext uri="{FF2B5EF4-FFF2-40B4-BE49-F238E27FC236}">
+                  <a16:creationId xmlns:a16="http://schemas.microsoft.com/office/drawing/2014/main" id="{A7C40886-3CE2-D634-36B0-EDA34571F047}"/>
+                </a:ext>
+              </a:extLst>
+            </p:cNvPr>
+            <p:cNvPicPr>
+              <a:picLocks noChangeAspect="1"/>
+            </p:cNvPicPr>
+            <p:nvPr/>
+          </p:nvPicPr>
+          <p:blipFill rotWithShape="1">
+            <a:blip r:embed="rId8"/>
+            <a:srcRect t="4843"/>
+            <a:stretch/>
+          </p:blipFill>
+          <p:spPr>
+            <a:xfrm>
+              <a:off x="3366112" y="5863947"/>
+              <a:ext cx="1216686" cy="868320"/>
+            </a:xfrm>
+            <a:prstGeom prst="rect">
+              <a:avLst/>
+            </a:prstGeom>
+          </p:spPr>
+        </p:pic>
+        <p:pic>
+          <p:nvPicPr>
+            <p:cNvPr id="129" name="Picture 128">
+              <a:extLst>
+                <a:ext uri="{FF2B5EF4-FFF2-40B4-BE49-F238E27FC236}">
+                  <a16:creationId xmlns:a16="http://schemas.microsoft.com/office/drawing/2014/main" id="{F4B0E7C7-85FE-BC4E-60DC-7463FAA440F7}"/>
+                </a:ext>
+              </a:extLst>
+            </p:cNvPr>
+            <p:cNvPicPr>
+              <a:picLocks noChangeAspect="1"/>
+            </p:cNvPicPr>
+            <p:nvPr/>
+          </p:nvPicPr>
+          <p:blipFill rotWithShape="1">
+            <a:blip r:embed="rId9"/>
+            <a:srcRect t="4456"/>
+            <a:stretch/>
+          </p:blipFill>
+          <p:spPr>
+            <a:xfrm>
+              <a:off x="4588210" y="5860409"/>
+              <a:ext cx="1216686" cy="871857"/>
+            </a:xfrm>
+            <a:prstGeom prst="rect">
+              <a:avLst/>
+            </a:prstGeom>
+          </p:spPr>
+        </p:pic>
+      </p:grpSp>
+      <p:pic>
+        <p:nvPicPr>
+          <p:cNvPr id="139" name="Picture 138">
+            <a:extLst>
+              <a:ext uri="{FF2B5EF4-FFF2-40B4-BE49-F238E27FC236}">
+                <a16:creationId xmlns:a16="http://schemas.microsoft.com/office/drawing/2014/main" id="{2FA2C98C-800C-1F83-E830-6D4CCB2A6DF4}"/>
+              </a:ext>
+            </a:extLst>
+          </p:cNvPr>
+          <p:cNvPicPr>
+            <a:picLocks noChangeAspect="1"/>
+          </p:cNvPicPr>
+          <p:nvPr/>
+        </p:nvPicPr>
+        <p:blipFill>
+          <a:blip r:embed="rId10"/>
+          <a:stretch>
+            <a:fillRect/>
+          </a:stretch>
+        </p:blipFill>
+        <p:spPr>
+          <a:xfrm>
+            <a:off x="3233659" y="3360885"/>
+            <a:ext cx="2408781" cy="745211"/>
+          </a:xfrm>
+          <a:prstGeom prst="rect">
+            <a:avLst/>
+          </a:prstGeom>
+        </p:spPr>
+      </p:pic>
+      <p:grpSp>
+        <p:nvGrpSpPr>
+          <p:cNvPr id="144" name="Group 143">
+            <a:extLst>
+              <a:ext uri="{FF2B5EF4-FFF2-40B4-BE49-F238E27FC236}">
+                <a16:creationId xmlns:a16="http://schemas.microsoft.com/office/drawing/2014/main" id="{50350E48-1ECF-CF91-25EC-CD6571AB25F9}"/>
+              </a:ext>
+            </a:extLst>
+          </p:cNvPr>
+          <p:cNvGrpSpPr>
+            <a:grpSpLocks noChangeAspect="1"/>
+          </p:cNvGrpSpPr>
+          <p:nvPr/>
+        </p:nvGrpSpPr>
+        <p:grpSpPr>
+          <a:xfrm>
+            <a:off x="3221364" y="4127306"/>
+            <a:ext cx="2445031" cy="912515"/>
+            <a:chOff x="3121687" y="4221734"/>
+            <a:chExt cx="2589122" cy="966291"/>
+          </a:xfrm>
+        </p:grpSpPr>
+        <p:pic>
+          <p:nvPicPr>
+            <p:cNvPr id="141" name="Picture 140">
+              <a:extLst>
+                <a:ext uri="{FF2B5EF4-FFF2-40B4-BE49-F238E27FC236}">
+                  <a16:creationId xmlns:a16="http://schemas.microsoft.com/office/drawing/2014/main" id="{33FC0CD2-085F-FE15-5933-B80E1C7B6A22}"/>
+                </a:ext>
+              </a:extLst>
+            </p:cNvPr>
+            <p:cNvPicPr>
+              <a:picLocks noChangeAspect="1"/>
+            </p:cNvPicPr>
+            <p:nvPr/>
+          </p:nvPicPr>
+          <p:blipFill>
+            <a:blip r:embed="rId11"/>
+            <a:stretch>
+              <a:fillRect/>
+            </a:stretch>
+          </p:blipFill>
+          <p:spPr>
+            <a:xfrm>
+              <a:off x="3121687" y="4221734"/>
+              <a:ext cx="1288388" cy="966291"/>
+            </a:xfrm>
+            <a:prstGeom prst="rect">
+              <a:avLst/>
+            </a:prstGeom>
+          </p:spPr>
+        </p:pic>
+        <p:pic>
+          <p:nvPicPr>
+            <p:cNvPr id="143" name="Picture 142">
+              <a:extLst>
+                <a:ext uri="{FF2B5EF4-FFF2-40B4-BE49-F238E27FC236}">
+                  <a16:creationId xmlns:a16="http://schemas.microsoft.com/office/drawing/2014/main" id="{A0627A07-F812-C5F1-73D7-4B385770FD83}"/>
+                </a:ext>
+              </a:extLst>
+            </p:cNvPr>
+            <p:cNvPicPr>
+              <a:picLocks noChangeAspect="1"/>
+            </p:cNvPicPr>
+            <p:nvPr/>
+          </p:nvPicPr>
+          <p:blipFill>
+            <a:blip r:embed="rId12"/>
+            <a:stretch>
+              <a:fillRect/>
+            </a:stretch>
+          </p:blipFill>
+          <p:spPr>
+            <a:xfrm>
+              <a:off x="4422421" y="4221734"/>
+              <a:ext cx="1288388" cy="966291"/>
+            </a:xfrm>
+            <a:prstGeom prst="rect">
+              <a:avLst/>
+            </a:prstGeom>
+          </p:spPr>
+        </p:pic>
+      </p:grpSp>
+      <p:pic>
+        <p:nvPicPr>
+          <p:cNvPr id="149" name="Picture 148">
+            <a:extLst>
+              <a:ext uri="{FF2B5EF4-FFF2-40B4-BE49-F238E27FC236}">
+                <a16:creationId xmlns:a16="http://schemas.microsoft.com/office/drawing/2014/main" id="{E0E622E1-8A28-F45E-9A6D-782DA4C00F6E}"/>
+              </a:ext>
+            </a:extLst>
+          </p:cNvPr>
+          <p:cNvPicPr>
+            <a:picLocks noChangeAspect="1"/>
+          </p:cNvPicPr>
+          <p:nvPr/>
+        </p:nvPicPr>
+        <p:blipFill>
+          <a:blip r:embed="rId13"/>
+          <a:stretch>
+            <a:fillRect/>
+          </a:stretch>
+        </p:blipFill>
+        <p:spPr>
+          <a:xfrm>
+            <a:off x="6097585" y="1594857"/>
+            <a:ext cx="1215598" cy="911698"/>
+          </a:xfrm>
+          <a:prstGeom prst="rect">
+            <a:avLst/>
+          </a:prstGeom>
+        </p:spPr>
+      </p:pic>
+      <p:pic>
+        <p:nvPicPr>
+          <p:cNvPr id="152" name="Picture 151">
+            <a:extLst>
+              <a:ext uri="{FF2B5EF4-FFF2-40B4-BE49-F238E27FC236}">
+                <a16:creationId xmlns:a16="http://schemas.microsoft.com/office/drawing/2014/main" id="{BC1B6A3E-F7E5-F062-4237-7FD92C6EB59B}"/>
+              </a:ext>
+            </a:extLst>
+          </p:cNvPr>
+          <p:cNvPicPr>
+            <a:picLocks noChangeAspect="1"/>
+          </p:cNvPicPr>
+          <p:nvPr/>
+        </p:nvPicPr>
+        <p:blipFill>
+          <a:blip r:embed="rId14"/>
+          <a:stretch>
+            <a:fillRect/>
+          </a:stretch>
+        </p:blipFill>
+        <p:spPr>
+          <a:xfrm>
+            <a:off x="7260800" y="1351583"/>
+            <a:ext cx="1589450" cy="1192087"/>
+          </a:xfrm>
+          <a:prstGeom prst="rect">
+            <a:avLst/>
+          </a:prstGeom>
+        </p:spPr>
+      </p:pic>
+      <p:pic>
+        <p:nvPicPr>
+          <p:cNvPr id="164" name="Picture 163">
+            <a:extLst>
+              <a:ext uri="{FF2B5EF4-FFF2-40B4-BE49-F238E27FC236}">
+                <a16:creationId xmlns:a16="http://schemas.microsoft.com/office/drawing/2014/main" id="{4D6FF6E5-87CE-9244-7805-79D2CF09E06A}"/>
+              </a:ext>
+            </a:extLst>
+          </p:cNvPr>
+          <p:cNvPicPr>
+            <a:picLocks noChangeAspect="1"/>
+          </p:cNvPicPr>
+          <p:nvPr/>
+        </p:nvPicPr>
+        <p:blipFill rotWithShape="1">
+          <a:blip r:embed="rId15"/>
+          <a:srcRect t="3587" r="8225"/>
+          <a:stretch/>
+        </p:blipFill>
+        <p:spPr>
+          <a:xfrm>
+            <a:off x="6121685" y="3047409"/>
+            <a:ext cx="1633779" cy="1287267"/>
+          </a:xfrm>
+          <a:prstGeom prst="rect">
+            <a:avLst/>
+          </a:prstGeom>
+        </p:spPr>
+      </p:pic>
     </p:spTree>
   </p:cSld>
   <p:clrMapOvr>
